--- a/deep-learning/rental-airbnb/boston_ppt.pptx
+++ b/deep-learning/rental-airbnb/boston_ppt.pptx
@@ -20,9 +20,9 @@
     <p:sldId id="276" r:id="rId11"/>
     <p:sldId id="261" r:id="rId12"/>
     <p:sldId id="270" r:id="rId13"/>
-    <p:sldId id="264" r:id="rId14"/>
-    <p:sldId id="271" r:id="rId15"/>
-    <p:sldId id="263" r:id="rId16"/>
+    <p:sldId id="277" r:id="rId14"/>
+    <p:sldId id="278" r:id="rId15"/>
+    <p:sldId id="279" r:id="rId16"/>
     <p:sldId id="268" r:id="rId17"/>
     <p:sldId id="269" r:id="rId18"/>
   </p:sldIdLst>
@@ -123,6 +123,11 @@
       </a:defRPr>
     </a:lvl9pPr>
   </p:defaultTextStyle>
+  <p:extLst>
+    <p:ext uri="{EFAFB233-063F-42B5-8137-9DF3F51BA10A}">
+      <p15:sldGuideLst xmlns:p15="http://schemas.microsoft.com/office/powerpoint/2012/main"/>
+    </p:ext>
+  </p:extLst>
 </p:presentation>
 </file>
 
@@ -172,7 +177,7 @@
           <inkml:channelProperty channel="F" name="resolution" value="0" units="1/dev"/>
         </inkml:channelProperties>
       </inkml:inkSource>
-      <inkml:timestamp xml:id="ts0" timeString="2022-02-02T21:54:11.832"/>
+      <inkml:timestamp xml:id="ts0" timeString="2022-02-02T22:09:01.475"/>
     </inkml:context>
     <inkml:brush xml:id="br0">
       <inkml:brushProperty name="width" value="0.2" units="cm"/>
@@ -412,7 +417,7 @@
           <inkml:channelProperty channel="F" name="resolution" value="0" units="1/dev"/>
         </inkml:channelProperties>
       </inkml:inkSource>
-      <inkml:timestamp xml:id="ts0" timeString="2022-02-02T21:54:03.880"/>
+      <inkml:timestamp xml:id="ts0" timeString="2022-02-02T22:09:01.474"/>
     </inkml:context>
     <inkml:brush xml:id="br0">
       <inkml:brushProperty name="width" value="0.2" units="cm"/>
@@ -508,7 +513,7 @@
           <a:p>
             <a:fld id="{8AA38D85-24D1-674D-9871-7CB952EC61B3}" type="datetimeFigureOut">
               <a:rPr lang="en-CO" smtClean="0"/>
-              <a:t>2/1/22</a:t>
+              <a:t>2/2/22</a:t>
             </a:fld>
             <a:endParaRPr lang="en-CO"/>
           </a:p>
@@ -1093,7 +1098,7 @@
           <a:p>
             <a:fld id="{0D4E46AA-1EC0-4433-9956-E798E94A6FB7}" type="datetimeFigureOut">
               <a:rPr lang="en-US" smtClean="0"/>
-              <a:t>2/1/22</a:t>
+              <a:t>2/2/22</a:t>
             </a:fld>
             <a:endParaRPr lang="en-US"/>
           </a:p>
@@ -1293,7 +1298,7 @@
           <a:p>
             <a:fld id="{0D4E46AA-1EC0-4433-9956-E798E94A6FB7}" type="datetimeFigureOut">
               <a:rPr lang="en-US" smtClean="0"/>
-              <a:t>2/1/22</a:t>
+              <a:t>2/2/22</a:t>
             </a:fld>
             <a:endParaRPr lang="en-US"/>
           </a:p>
@@ -1503,7 +1508,7 @@
           <a:p>
             <a:fld id="{0D4E46AA-1EC0-4433-9956-E798E94A6FB7}" type="datetimeFigureOut">
               <a:rPr lang="en-US" smtClean="0"/>
-              <a:t>2/1/22</a:t>
+              <a:t>2/2/22</a:t>
             </a:fld>
             <a:endParaRPr lang="en-US"/>
           </a:p>
@@ -1703,7 +1708,7 @@
           <a:p>
             <a:fld id="{0D4E46AA-1EC0-4433-9956-E798E94A6FB7}" type="datetimeFigureOut">
               <a:rPr lang="en-US" smtClean="0"/>
-              <a:t>2/1/22</a:t>
+              <a:t>2/2/22</a:t>
             </a:fld>
             <a:endParaRPr lang="en-US"/>
           </a:p>
@@ -1979,7 +1984,7 @@
           <a:p>
             <a:fld id="{0D4E46AA-1EC0-4433-9956-E798E94A6FB7}" type="datetimeFigureOut">
               <a:rPr lang="en-US" smtClean="0"/>
-              <a:t>2/1/22</a:t>
+              <a:t>2/2/22</a:t>
             </a:fld>
             <a:endParaRPr lang="en-US"/>
           </a:p>
@@ -2247,7 +2252,7 @@
           <a:p>
             <a:fld id="{0D4E46AA-1EC0-4433-9956-E798E94A6FB7}" type="datetimeFigureOut">
               <a:rPr lang="en-US" smtClean="0"/>
-              <a:t>2/1/22</a:t>
+              <a:t>2/2/22</a:t>
             </a:fld>
             <a:endParaRPr lang="en-US"/>
           </a:p>
@@ -2662,7 +2667,7 @@
           <a:p>
             <a:fld id="{0D4E46AA-1EC0-4433-9956-E798E94A6FB7}" type="datetimeFigureOut">
               <a:rPr lang="en-US" smtClean="0"/>
-              <a:t>2/1/22</a:t>
+              <a:t>2/2/22</a:t>
             </a:fld>
             <a:endParaRPr lang="en-US"/>
           </a:p>
@@ -2804,7 +2809,7 @@
           <a:p>
             <a:fld id="{0D4E46AA-1EC0-4433-9956-E798E94A6FB7}" type="datetimeFigureOut">
               <a:rPr lang="en-US" smtClean="0"/>
-              <a:t>2/1/22</a:t>
+              <a:t>2/2/22</a:t>
             </a:fld>
             <a:endParaRPr lang="en-US"/>
           </a:p>
@@ -2917,7 +2922,7 @@
           <a:p>
             <a:fld id="{0D4E46AA-1EC0-4433-9956-E798E94A6FB7}" type="datetimeFigureOut">
               <a:rPr lang="en-US" smtClean="0"/>
-              <a:t>2/1/22</a:t>
+              <a:t>2/2/22</a:t>
             </a:fld>
             <a:endParaRPr lang="en-US"/>
           </a:p>
@@ -3230,7 +3235,7 @@
           <a:p>
             <a:fld id="{0D4E46AA-1EC0-4433-9956-E798E94A6FB7}" type="datetimeFigureOut">
               <a:rPr lang="en-US" smtClean="0"/>
-              <a:t>2/1/22</a:t>
+              <a:t>2/2/22</a:t>
             </a:fld>
             <a:endParaRPr lang="en-US"/>
           </a:p>
@@ -3519,7 +3524,7 @@
           <a:p>
             <a:fld id="{0D4E46AA-1EC0-4433-9956-E798E94A6FB7}" type="datetimeFigureOut">
               <a:rPr lang="en-US" smtClean="0"/>
-              <a:t>2/1/22</a:t>
+              <a:t>2/2/22</a:t>
             </a:fld>
             <a:endParaRPr lang="en-US"/>
           </a:p>
@@ -3763,7 +3768,7 @@
             <a:fld id="{0D4E46AA-1EC0-4433-9956-E798E94A6FB7}" type="datetimeFigureOut">
               <a:rPr lang="en-US" smtClean="0"/>
               <a:pPr/>
-              <a:t>2/1/22</a:t>
+              <a:t>2/2/22</a:t>
             </a:fld>
             <a:endParaRPr lang="en-US" dirty="0"/>
           </a:p>
@@ -5375,8 +5380,8 @@
           </a:prstGeom>
         </p:spPr>
       </p:pic>
-      <mc:AlternateContent xmlns:mc="http://schemas.openxmlformats.org/markup-compatibility/2006">
-        <mc:Choice xmlns:p14="http://schemas.microsoft.com/office/powerpoint/2010/main" Requires="p14">
+      <mc:AlternateContent xmlns:mc="http://schemas.openxmlformats.org/markup-compatibility/2006" xmlns:p14="http://schemas.microsoft.com/office/powerpoint/2010/main">
+        <mc:Choice Requires="p14">
           <p:contentPart p14:bwMode="auto" r:id="rId5">
             <p14:nvContentPartPr>
               <p14:cNvPr id="28" name="Ink 27">
@@ -5395,7 +5400,7 @@
             </p14:xfrm>
           </p:contentPart>
         </mc:Choice>
-        <mc:Fallback>
+        <mc:Fallback xmlns="">
           <p:pic>
             <p:nvPicPr>
               <p:cNvPr id="28" name="Ink 27">
@@ -5426,8 +5431,8 @@
           </p:pic>
         </mc:Fallback>
       </mc:AlternateContent>
-      <mc:AlternateContent xmlns:mc="http://schemas.openxmlformats.org/markup-compatibility/2006">
-        <mc:Choice xmlns:p14="http://schemas.microsoft.com/office/powerpoint/2010/main" Requires="p14">
+      <mc:AlternateContent xmlns:mc="http://schemas.openxmlformats.org/markup-compatibility/2006" xmlns:p14="http://schemas.microsoft.com/office/powerpoint/2010/main">
+        <mc:Choice Requires="p14">
           <p:contentPart p14:bwMode="auto" r:id="rId7">
             <p14:nvContentPartPr>
               <p14:cNvPr id="29" name="Ink 28">
@@ -5446,7 +5451,7 @@
             </p14:xfrm>
           </p:contentPart>
         </mc:Choice>
-        <mc:Fallback>
+        <mc:Fallback xmlns="">
           <p:pic>
             <p:nvPicPr>
               <p:cNvPr id="29" name="Ink 28">
@@ -6814,6 +6819,14 @@
 <file path=ppt/slides/slide13.xml><?xml version="1.0" encoding="utf-8"?>
 <p:sld xmlns:a="http://schemas.openxmlformats.org/drawingml/2006/main" xmlns:r="http://schemas.openxmlformats.org/officeDocument/2006/relationships" xmlns:p="http://schemas.openxmlformats.org/presentationml/2006/main">
   <p:cSld>
+    <p:bg>
+      <p:bgPr>
+        <a:solidFill>
+          <a:schemeClr val="bg1"/>
+        </a:solidFill>
+        <a:effectLst/>
+      </p:bgPr>
+    </p:bg>
     <p:spTree>
       <p:nvGrpSpPr>
         <p:cNvPr id="1" name=""/>
@@ -6830,10 +6843,393 @@
       </p:grpSpPr>
       <p:sp>
         <p:nvSpPr>
-          <p:cNvPr id="4" name="Title 1">
-            <a:extLst>
-              <a:ext uri="{FF2B5EF4-FFF2-40B4-BE49-F238E27FC236}">
-                <a16:creationId xmlns:a16="http://schemas.microsoft.com/office/drawing/2014/main" id="{23AB6D25-1A43-B542-8D78-E4C16A3C5606}"/>
+          <p:cNvPr id="22" name="Rectangle 21">
+            <a:extLst>
+              <a:ext uri="{FF2B5EF4-FFF2-40B4-BE49-F238E27FC236}">
+                <a16:creationId xmlns:a16="http://schemas.microsoft.com/office/drawing/2014/main" id="{2B566528-1B12-4246-9431-5C2D7D081168}"/>
+              </a:ext>
+              <a:ext uri="{C183D7F6-B498-43B3-948B-1728B52AA6E4}">
+                <adec:decorative xmlns:adec="http://schemas.microsoft.com/office/drawing/2017/decorative" val="1"/>
+              </a:ext>
+            </a:extLst>
+          </p:cNvPr>
+          <p:cNvSpPr>
+            <a:spLocks noGrp="1" noRot="1" noChangeAspect="1" noMove="1" noResize="1" noEditPoints="1" noAdjustHandles="1" noChangeArrowheads="1" noChangeShapeType="1" noTextEdit="1"/>
+          </p:cNvSpPr>
+          <p:nvPr>
+            <p:extLst>
+              <p:ext uri="{386F3935-93C4-4BCD-93E2-E3B085C9AB24}">
+                <p16:designElem xmlns:p16="http://schemas.microsoft.com/office/powerpoint/2015/main" val="1"/>
+              </p:ext>
+            </p:extLst>
+          </p:nvPr>
+        </p:nvSpPr>
+        <p:spPr>
+          <a:xfrm>
+            <a:off x="0" y="0"/>
+            <a:ext cx="12192000" cy="6858000"/>
+          </a:xfrm>
+          <a:prstGeom prst="rect">
+            <a:avLst/>
+          </a:prstGeom>
+          <a:solidFill>
+            <a:schemeClr val="bg1"/>
+          </a:solidFill>
+          <a:ln>
+            <a:noFill/>
+          </a:ln>
+        </p:spPr>
+        <p:style>
+          <a:lnRef idx="2">
+            <a:schemeClr val="accent1">
+              <a:shade val="50000"/>
+            </a:schemeClr>
+          </a:lnRef>
+          <a:fillRef idx="1">
+            <a:schemeClr val="accent1"/>
+          </a:fillRef>
+          <a:effectRef idx="0">
+            <a:schemeClr val="accent1"/>
+          </a:effectRef>
+          <a:fontRef idx="minor">
+            <a:schemeClr val="lt1"/>
+          </a:fontRef>
+        </p:style>
+        <p:txBody>
+          <a:bodyPr rtlCol="0" anchor="ctr"/>
+          <a:lstStyle/>
+          <a:p>
+            <a:pPr algn="ctr"/>
+            <a:endParaRPr lang="en-US" dirty="0"/>
+          </a:p>
+        </p:txBody>
+      </p:sp>
+      <p:grpSp>
+        <p:nvGrpSpPr>
+          <p:cNvPr id="24" name="Group 23">
+            <a:extLst>
+              <a:ext uri="{FF2B5EF4-FFF2-40B4-BE49-F238E27FC236}">
+                <a16:creationId xmlns:a16="http://schemas.microsoft.com/office/drawing/2014/main" id="{5995D10D-E9C9-47DB-AE7E-801FEF38F5C9}"/>
+              </a:ext>
+              <a:ext uri="{C183D7F6-B498-43B3-948B-1728B52AA6E4}">
+                <adec:decorative xmlns:adec="http://schemas.microsoft.com/office/drawing/2017/decorative" val="1"/>
+              </a:ext>
+            </a:extLst>
+          </p:cNvPr>
+          <p:cNvGrpSpPr>
+            <a:grpSpLocks noGrp="1" noUngrp="1" noRot="1" noChangeAspect="1" noMove="1" noResize="1"/>
+          </p:cNvGrpSpPr>
+          <p:nvPr>
+            <p:extLst>
+              <p:ext uri="{386F3935-93C4-4BCD-93E2-E3B085C9AB24}">
+                <p16:designElem xmlns:p16="http://schemas.microsoft.com/office/powerpoint/2015/main" val="1"/>
+              </p:ext>
+            </p:extLst>
+          </p:nvPr>
+        </p:nvGrpSpPr>
+        <p:grpSpPr>
+          <a:xfrm>
+            <a:off x="11219290" y="1"/>
+            <a:ext cx="972709" cy="1935307"/>
+            <a:chOff x="10918968" y="713127"/>
+            <a:chExt cx="1273032" cy="2532832"/>
+          </a:xfrm>
+        </p:grpSpPr>
+        <p:sp>
+          <p:nvSpPr>
+            <p:cNvPr id="25" name="Rectangle 24">
+              <a:extLst>
+                <a:ext uri="{FF2B5EF4-FFF2-40B4-BE49-F238E27FC236}">
+                  <a16:creationId xmlns:a16="http://schemas.microsoft.com/office/drawing/2014/main" id="{CC1A72C6-3DE4-4EC3-9AD5-9E0D40D8CE8A}"/>
+                </a:ext>
+                <a:ext uri="{C183D7F6-B498-43B3-948B-1728B52AA6E4}">
+                  <adec:decorative xmlns:adec="http://schemas.microsoft.com/office/drawing/2017/decorative" val="1"/>
+                </a:ext>
+              </a:extLst>
+            </p:cNvPr>
+            <p:cNvSpPr/>
+            <p:nvPr>
+              <p:extLst>
+                <p:ext uri="{386F3935-93C4-4BCD-93E2-E3B085C9AB24}">
+                  <p16:designElem xmlns:p16="http://schemas.microsoft.com/office/powerpoint/2015/main" val="1"/>
+                </p:ext>
+              </p:extLst>
+            </p:nvPr>
+          </p:nvSpPr>
+          <p:spPr>
+            <a:xfrm rot="2700000">
+              <a:off x="11052629" y="2120024"/>
+              <a:ext cx="645368" cy="645368"/>
+            </a:xfrm>
+            <a:prstGeom prst="rect">
+              <a:avLst/>
+            </a:prstGeom>
+            <a:solidFill>
+              <a:schemeClr val="accent4">
+                <a:alpha val="30000"/>
+              </a:schemeClr>
+            </a:solidFill>
+            <a:ln>
+              <a:noFill/>
+            </a:ln>
+          </p:spPr>
+          <p:style>
+            <a:lnRef idx="2">
+              <a:schemeClr val="accent1">
+                <a:shade val="50000"/>
+              </a:schemeClr>
+            </a:lnRef>
+            <a:fillRef idx="1">
+              <a:schemeClr val="accent1"/>
+            </a:fillRef>
+            <a:effectRef idx="0">
+              <a:schemeClr val="accent1"/>
+            </a:effectRef>
+            <a:fontRef idx="minor">
+              <a:schemeClr val="lt1"/>
+            </a:fontRef>
+          </p:style>
+          <p:txBody>
+            <a:bodyPr rtlCol="0" anchor="ctr"/>
+            <a:lstStyle/>
+            <a:p>
+              <a:pPr algn="ctr"/>
+              <a:endParaRPr lang="en-US"/>
+            </a:p>
+          </p:txBody>
+        </p:sp>
+        <p:sp>
+          <p:nvSpPr>
+            <p:cNvPr id="26" name="Isosceles Triangle 25">
+              <a:extLst>
+                <a:ext uri="{FF2B5EF4-FFF2-40B4-BE49-F238E27FC236}">
+                  <a16:creationId xmlns:a16="http://schemas.microsoft.com/office/drawing/2014/main" id="{0B0DA1F1-C391-4EDF-9FE0-23E86E137765}"/>
+                </a:ext>
+                <a:ext uri="{C183D7F6-B498-43B3-948B-1728B52AA6E4}">
+                  <adec:decorative xmlns:adec="http://schemas.microsoft.com/office/drawing/2017/decorative" val="1"/>
+                </a:ext>
+              </a:extLst>
+            </p:cNvPr>
+            <p:cNvSpPr/>
+            <p:nvPr>
+              <p:extLst>
+                <p:ext uri="{386F3935-93C4-4BCD-93E2-E3B085C9AB24}">
+                  <p16:designElem xmlns:p16="http://schemas.microsoft.com/office/powerpoint/2015/main" val="1"/>
+                </p:ext>
+              </p:extLst>
+            </p:nvPr>
+          </p:nvSpPr>
+          <p:spPr>
+            <a:xfrm rot="16200000">
+              <a:off x="10289068" y="1343027"/>
+              <a:ext cx="2532832" cy="1273032"/>
+            </a:xfrm>
+            <a:prstGeom prst="triangle">
+              <a:avLst>
+                <a:gd name="adj" fmla="val 50000"/>
+              </a:avLst>
+            </a:prstGeom>
+            <a:solidFill>
+              <a:schemeClr val="accent4">
+                <a:alpha val="30000"/>
+              </a:schemeClr>
+            </a:solidFill>
+            <a:ln>
+              <a:noFill/>
+            </a:ln>
+          </p:spPr>
+          <p:style>
+            <a:lnRef idx="2">
+              <a:schemeClr val="accent1">
+                <a:shade val="50000"/>
+              </a:schemeClr>
+            </a:lnRef>
+            <a:fillRef idx="1">
+              <a:schemeClr val="accent1"/>
+            </a:fillRef>
+            <a:effectRef idx="0">
+              <a:schemeClr val="accent1"/>
+            </a:effectRef>
+            <a:fontRef idx="minor">
+              <a:schemeClr val="lt1"/>
+            </a:fontRef>
+          </p:style>
+          <p:txBody>
+            <a:bodyPr rtlCol="0" anchor="ctr"/>
+            <a:lstStyle/>
+            <a:p>
+              <a:pPr algn="ctr"/>
+              <a:endParaRPr lang="en-US" dirty="0"/>
+            </a:p>
+          </p:txBody>
+        </p:sp>
+      </p:grpSp>
+      <p:grpSp>
+        <p:nvGrpSpPr>
+          <p:cNvPr id="28" name="Group 27">
+            <a:extLst>
+              <a:ext uri="{FF2B5EF4-FFF2-40B4-BE49-F238E27FC236}">
+                <a16:creationId xmlns:a16="http://schemas.microsoft.com/office/drawing/2014/main" id="{828A5161-06F1-46CF-8AD7-844680A59E13}"/>
+              </a:ext>
+              <a:ext uri="{C183D7F6-B498-43B3-948B-1728B52AA6E4}">
+                <adec:decorative xmlns:adec="http://schemas.microsoft.com/office/drawing/2017/decorative" val="1"/>
+              </a:ext>
+            </a:extLst>
+          </p:cNvPr>
+          <p:cNvGrpSpPr>
+            <a:grpSpLocks noGrp="1" noUngrp="1" noRot="1" noChangeAspect="1" noMove="1" noResize="1"/>
+          </p:cNvGrpSpPr>
+          <p:nvPr>
+            <p:extLst>
+              <p:ext uri="{386F3935-93C4-4BCD-93E2-E3B085C9AB24}">
+                <p16:designElem xmlns:p16="http://schemas.microsoft.com/office/powerpoint/2015/main" val="1"/>
+              </p:ext>
+            </p:extLst>
+          </p:nvPr>
+        </p:nvGrpSpPr>
+        <p:grpSpPr>
+          <a:xfrm>
+            <a:off x="0" y="4601497"/>
+            <a:ext cx="1014060" cy="2017580"/>
+            <a:chOff x="0" y="4601497"/>
+            <a:chExt cx="1014060" cy="2017580"/>
+          </a:xfrm>
+        </p:grpSpPr>
+        <p:sp>
+          <p:nvSpPr>
+            <p:cNvPr id="29" name="Isosceles Triangle 28">
+              <a:extLst>
+                <a:ext uri="{FF2B5EF4-FFF2-40B4-BE49-F238E27FC236}">
+                  <a16:creationId xmlns:a16="http://schemas.microsoft.com/office/drawing/2014/main" id="{D3F51FEB-38FB-4F6C-9F7B-2F2AFAB65463}"/>
+                </a:ext>
+                <a:ext uri="{C183D7F6-B498-43B3-948B-1728B52AA6E4}">
+                  <adec:decorative xmlns:adec="http://schemas.microsoft.com/office/drawing/2017/decorative" val="1"/>
+                </a:ext>
+              </a:extLst>
+            </p:cNvPr>
+            <p:cNvSpPr/>
+            <p:nvPr>
+              <p:extLst>
+                <p:ext uri="{386F3935-93C4-4BCD-93E2-E3B085C9AB24}">
+                  <p16:designElem xmlns:p16="http://schemas.microsoft.com/office/powerpoint/2015/main" val="1"/>
+                </p:ext>
+              </p:extLst>
+            </p:nvPr>
+          </p:nvSpPr>
+          <p:spPr>
+            <a:xfrm rot="5400000">
+              <a:off x="-501760" y="5103257"/>
+              <a:ext cx="2017580" cy="1014060"/>
+            </a:xfrm>
+            <a:prstGeom prst="triangle">
+              <a:avLst>
+                <a:gd name="adj" fmla="val 50000"/>
+              </a:avLst>
+            </a:prstGeom>
+            <a:solidFill>
+              <a:schemeClr val="accent1">
+                <a:alpha val="30000"/>
+              </a:schemeClr>
+            </a:solidFill>
+            <a:ln>
+              <a:noFill/>
+            </a:ln>
+          </p:spPr>
+          <p:style>
+            <a:lnRef idx="2">
+              <a:schemeClr val="accent1">
+                <a:shade val="50000"/>
+              </a:schemeClr>
+            </a:lnRef>
+            <a:fillRef idx="1">
+              <a:schemeClr val="accent1"/>
+            </a:fillRef>
+            <a:effectRef idx="0">
+              <a:schemeClr val="accent1"/>
+            </a:effectRef>
+            <a:fontRef idx="minor">
+              <a:schemeClr val="lt1"/>
+            </a:fontRef>
+          </p:style>
+          <p:txBody>
+            <a:bodyPr rtlCol="0" anchor="ctr"/>
+            <a:lstStyle/>
+            <a:p>
+              <a:pPr algn="ctr"/>
+              <a:endParaRPr lang="en-US"/>
+            </a:p>
+          </p:txBody>
+        </p:sp>
+        <p:sp>
+          <p:nvSpPr>
+            <p:cNvPr id="30" name="Rectangle 29">
+              <a:extLst>
+                <a:ext uri="{FF2B5EF4-FFF2-40B4-BE49-F238E27FC236}">
+                  <a16:creationId xmlns:a16="http://schemas.microsoft.com/office/drawing/2014/main" id="{1E547BA6-BAE0-43BB-A7CA-60F69CE252F0}"/>
+                </a:ext>
+                <a:ext uri="{C183D7F6-B498-43B3-948B-1728B52AA6E4}">
+                  <adec:decorative xmlns:adec="http://schemas.microsoft.com/office/drawing/2017/decorative" val="1"/>
+                </a:ext>
+              </a:extLst>
+            </p:cNvPr>
+            <p:cNvSpPr/>
+            <p:nvPr>
+              <p:extLst>
+                <p:ext uri="{386F3935-93C4-4BCD-93E2-E3B085C9AB24}">
+                  <p16:designElem xmlns:p16="http://schemas.microsoft.com/office/powerpoint/2015/main" val="1"/>
+                </p:ext>
+              </p:extLst>
+            </p:nvPr>
+          </p:nvSpPr>
+          <p:spPr>
+            <a:xfrm rot="2700000">
+              <a:off x="427916" y="5728708"/>
+              <a:ext cx="485578" cy="485578"/>
+            </a:xfrm>
+            <a:prstGeom prst="rect">
+              <a:avLst/>
+            </a:prstGeom>
+            <a:solidFill>
+              <a:schemeClr val="accent1">
+                <a:alpha val="30000"/>
+              </a:schemeClr>
+            </a:solidFill>
+            <a:ln>
+              <a:noFill/>
+            </a:ln>
+          </p:spPr>
+          <p:style>
+            <a:lnRef idx="2">
+              <a:schemeClr val="accent1">
+                <a:shade val="50000"/>
+              </a:schemeClr>
+            </a:lnRef>
+            <a:fillRef idx="1">
+              <a:schemeClr val="accent1"/>
+            </a:fillRef>
+            <a:effectRef idx="0">
+              <a:schemeClr val="accent1"/>
+            </a:effectRef>
+            <a:fontRef idx="minor">
+              <a:schemeClr val="lt1"/>
+            </a:fontRef>
+          </p:style>
+          <p:txBody>
+            <a:bodyPr rtlCol="0" anchor="ctr"/>
+            <a:lstStyle/>
+            <a:p>
+              <a:pPr algn="ctr"/>
+              <a:endParaRPr lang="en-US"/>
+            </a:p>
+          </p:txBody>
+        </p:sp>
+      </p:grpSp>
+      <p:sp>
+        <p:nvSpPr>
+          <p:cNvPr id="17" name="Title 1">
+            <a:extLst>
+              <a:ext uri="{FF2B5EF4-FFF2-40B4-BE49-F238E27FC236}">
+                <a16:creationId xmlns:a16="http://schemas.microsoft.com/office/drawing/2014/main" id="{A4356498-1433-2747-8431-16F7A6A01B5A}"/>
               </a:ext>
             </a:extLst>
           </p:cNvPr>
@@ -6885,10 +7281,10 @@
       </p:sp>
       <p:sp>
         <p:nvSpPr>
-          <p:cNvPr id="9" name="Content Placeholder 2">
-            <a:extLst>
-              <a:ext uri="{FF2B5EF4-FFF2-40B4-BE49-F238E27FC236}">
-                <a16:creationId xmlns:a16="http://schemas.microsoft.com/office/drawing/2014/main" id="{616CEC61-5BEC-5945-870D-F4A33BDF8C36}"/>
+          <p:cNvPr id="18" name="Content Placeholder 2">
+            <a:extLst>
+              <a:ext uri="{FF2B5EF4-FFF2-40B4-BE49-F238E27FC236}">
+                <a16:creationId xmlns:a16="http://schemas.microsoft.com/office/drawing/2014/main" id="{1543E20E-ED9D-604E-A00D-AF64FC3DB9B9}"/>
               </a:ext>
             </a:extLst>
           </p:cNvPr>
@@ -6941,10 +7337,10 @@
       </p:sp>
       <p:graphicFrame>
         <p:nvGraphicFramePr>
-          <p:cNvPr id="11" name="Table 11">
-            <a:extLst>
-              <a:ext uri="{FF2B5EF4-FFF2-40B4-BE49-F238E27FC236}">
-                <a16:creationId xmlns:a16="http://schemas.microsoft.com/office/drawing/2014/main" id="{E86F9564-16DD-9446-9FED-AB5204C60B65}"/>
+          <p:cNvPr id="19" name="Table 11">
+            <a:extLst>
+              <a:ext uri="{FF2B5EF4-FFF2-40B4-BE49-F238E27FC236}">
+                <a16:creationId xmlns:a16="http://schemas.microsoft.com/office/drawing/2014/main" id="{13DA2DED-7463-4F40-AA80-5BD8DC1CB7EA}"/>
               </a:ext>
             </a:extLst>
           </p:cNvPr>
@@ -6954,7 +7350,7 @@
           <p:nvPr>
             <p:extLst>
               <p:ext uri="{D42A27DB-BD31-4B8C-83A1-F6EECF244321}">
-                <p14:modId xmlns:p14="http://schemas.microsoft.com/office/powerpoint/2010/main" val="3827726040"/>
+                <p14:modId xmlns:p14="http://schemas.microsoft.com/office/powerpoint/2010/main" val="431980889"/>
               </p:ext>
             </p:extLst>
           </p:nvPr>
@@ -7264,10 +7660,10 @@
       </p:graphicFrame>
       <p:sp>
         <p:nvSpPr>
-          <p:cNvPr id="13" name="TextBox 12">
-            <a:extLst>
-              <a:ext uri="{FF2B5EF4-FFF2-40B4-BE49-F238E27FC236}">
-                <a16:creationId xmlns:a16="http://schemas.microsoft.com/office/drawing/2014/main" id="{4B91EF0A-1B52-1147-86D1-69357AA53B1F}"/>
+          <p:cNvPr id="20" name="TextBox 19">
+            <a:extLst>
+              <a:ext uri="{FF2B5EF4-FFF2-40B4-BE49-F238E27FC236}">
+                <a16:creationId xmlns:a16="http://schemas.microsoft.com/office/drawing/2014/main" id="{50C669AA-E8F7-1442-93C7-CCB7038036BD}"/>
               </a:ext>
             </a:extLst>
           </p:cNvPr>
@@ -7299,10 +7695,10 @@
       </p:sp>
       <p:sp>
         <p:nvSpPr>
-          <p:cNvPr id="14" name="Rectangle 13">
-            <a:extLst>
-              <a:ext uri="{FF2B5EF4-FFF2-40B4-BE49-F238E27FC236}">
-                <a16:creationId xmlns:a16="http://schemas.microsoft.com/office/drawing/2014/main" id="{9B47D764-B495-0C4D-BF0E-E745534EB61D}"/>
+          <p:cNvPr id="21" name="Rectangle 20">
+            <a:extLst>
+              <a:ext uri="{FF2B5EF4-FFF2-40B4-BE49-F238E27FC236}">
+                <a16:creationId xmlns:a16="http://schemas.microsoft.com/office/drawing/2014/main" id="{BCB161C3-DEDB-C74A-BFEE-DD95CBE794AB}"/>
               </a:ext>
             </a:extLst>
           </p:cNvPr>
@@ -7335,7 +7731,7 @@
     </p:spTree>
     <p:extLst>
       <p:ext uri="{BB962C8B-B14F-4D97-AF65-F5344CB8AC3E}">
-        <p14:creationId xmlns:p14="http://schemas.microsoft.com/office/powerpoint/2010/main" val="4239757223"/>
+        <p14:creationId xmlns:p14="http://schemas.microsoft.com/office/powerpoint/2010/main" val="266424760"/>
       </p:ext>
     </p:extLst>
   </p:cSld>
@@ -7348,6 +7744,14 @@
 <file path=ppt/slides/slide14.xml><?xml version="1.0" encoding="utf-8"?>
 <p:sld xmlns:a="http://schemas.openxmlformats.org/drawingml/2006/main" xmlns:r="http://schemas.openxmlformats.org/officeDocument/2006/relationships" xmlns:p="http://schemas.openxmlformats.org/presentationml/2006/main">
   <p:cSld>
+    <p:bg>
+      <p:bgPr>
+        <a:solidFill>
+          <a:schemeClr val="bg1"/>
+        </a:solidFill>
+        <a:effectLst/>
+      </p:bgPr>
+    </p:bg>
     <p:spTree>
       <p:nvGrpSpPr>
         <p:cNvPr id="1" name=""/>
@@ -7364,65 +7768,393 @@
       </p:grpSpPr>
       <p:sp>
         <p:nvSpPr>
-          <p:cNvPr id="4" name="Title 1">
-            <a:extLst>
-              <a:ext uri="{FF2B5EF4-FFF2-40B4-BE49-F238E27FC236}">
-                <a16:creationId xmlns:a16="http://schemas.microsoft.com/office/drawing/2014/main" id="{23AB6D25-1A43-B542-8D78-E4C16A3C5606}"/>
-              </a:ext>
-            </a:extLst>
-          </p:cNvPr>
-          <p:cNvSpPr txBox="1">
-            <a:spLocks/>
+          <p:cNvPr id="22" name="Rectangle 21">
+            <a:extLst>
+              <a:ext uri="{FF2B5EF4-FFF2-40B4-BE49-F238E27FC236}">
+                <a16:creationId xmlns:a16="http://schemas.microsoft.com/office/drawing/2014/main" id="{2B566528-1B12-4246-9431-5C2D7D081168}"/>
+              </a:ext>
+              <a:ext uri="{C183D7F6-B498-43B3-948B-1728B52AA6E4}">
+                <adec:decorative xmlns:adec="http://schemas.microsoft.com/office/drawing/2017/decorative" val="1"/>
+              </a:ext>
+            </a:extLst>
+          </p:cNvPr>
+          <p:cNvSpPr>
+            <a:spLocks noGrp="1" noRot="1" noChangeAspect="1" noMove="1" noResize="1" noEditPoints="1" noAdjustHandles="1" noChangeArrowheads="1" noChangeShapeType="1" noTextEdit="1"/>
           </p:cNvSpPr>
-          <p:nvPr/>
+          <p:nvPr>
+            <p:extLst>
+              <p:ext uri="{386F3935-93C4-4BCD-93E2-E3B085C9AB24}">
+                <p16:designElem xmlns:p16="http://schemas.microsoft.com/office/powerpoint/2015/main" val="1"/>
+              </p:ext>
+            </p:extLst>
+          </p:nvPr>
         </p:nvSpPr>
         <p:spPr>
           <a:xfrm>
-            <a:off x="643467" y="321734"/>
-            <a:ext cx="10905066" cy="1135737"/>
+            <a:off x="0" y="0"/>
+            <a:ext cx="12192000" cy="6858000"/>
           </a:xfrm>
           <a:prstGeom prst="rect">
             <a:avLst/>
           </a:prstGeom>
+          <a:solidFill>
+            <a:schemeClr val="bg1"/>
+          </a:solidFill>
+          <a:ln>
+            <a:noFill/>
+          </a:ln>
         </p:spPr>
+        <p:style>
+          <a:lnRef idx="2">
+            <a:schemeClr val="accent1">
+              <a:shade val="50000"/>
+            </a:schemeClr>
+          </a:lnRef>
+          <a:fillRef idx="1">
+            <a:schemeClr val="accent1"/>
+          </a:fillRef>
+          <a:effectRef idx="0">
+            <a:schemeClr val="accent1"/>
+          </a:effectRef>
+          <a:fontRef idx="minor">
+            <a:schemeClr val="lt1"/>
+          </a:fontRef>
+        </p:style>
         <p:txBody>
-          <a:bodyPr vert="horz" lIns="91440" tIns="45720" rIns="91440" bIns="45720" rtlCol="0" anchor="ctr">
-            <a:normAutofit/>
-          </a:bodyPr>
-          <a:lstStyle>
-            <a:lvl1pPr algn="l" defTabSz="914400" rtl="0" eaLnBrk="1" latinLnBrk="0" hangingPunct="1">
-              <a:lnSpc>
-                <a:spcPct val="90000"/>
-              </a:lnSpc>
-              <a:spcBef>
-                <a:spcPct val="0"/>
-              </a:spcBef>
-              <a:buNone/>
-              <a:defRPr sz="4400" kern="1200">
-                <a:solidFill>
-                  <a:schemeClr val="tx1"/>
-                </a:solidFill>
-                <a:latin typeface="+mj-lt"/>
-                <a:ea typeface="+mj-ea"/>
-                <a:cs typeface="+mj-cs"/>
-              </a:defRPr>
-            </a:lvl1pPr>
-          </a:lstStyle>
-          <a:p>
-            <a:r>
-              <a:rPr lang="en-US" sz="3600"/>
-              <a:t>Modeling</a:t>
-            </a:r>
-            <a:endParaRPr lang="en-US" sz="3600" dirty="0"/>
+          <a:bodyPr rtlCol="0" anchor="ctr"/>
+          <a:lstStyle/>
+          <a:p>
+            <a:pPr algn="ctr"/>
+            <a:endParaRPr lang="en-US" dirty="0"/>
           </a:p>
         </p:txBody>
       </p:sp>
+      <p:grpSp>
+        <p:nvGrpSpPr>
+          <p:cNvPr id="24" name="Group 23">
+            <a:extLst>
+              <a:ext uri="{FF2B5EF4-FFF2-40B4-BE49-F238E27FC236}">
+                <a16:creationId xmlns:a16="http://schemas.microsoft.com/office/drawing/2014/main" id="{5995D10D-E9C9-47DB-AE7E-801FEF38F5C9}"/>
+              </a:ext>
+              <a:ext uri="{C183D7F6-B498-43B3-948B-1728B52AA6E4}">
+                <adec:decorative xmlns:adec="http://schemas.microsoft.com/office/drawing/2017/decorative" val="1"/>
+              </a:ext>
+            </a:extLst>
+          </p:cNvPr>
+          <p:cNvGrpSpPr>
+            <a:grpSpLocks noGrp="1" noUngrp="1" noRot="1" noChangeAspect="1" noMove="1" noResize="1"/>
+          </p:cNvGrpSpPr>
+          <p:nvPr>
+            <p:extLst>
+              <p:ext uri="{386F3935-93C4-4BCD-93E2-E3B085C9AB24}">
+                <p16:designElem xmlns:p16="http://schemas.microsoft.com/office/powerpoint/2015/main" val="1"/>
+              </p:ext>
+            </p:extLst>
+          </p:nvPr>
+        </p:nvGrpSpPr>
+        <p:grpSpPr>
+          <a:xfrm>
+            <a:off x="11219290" y="1"/>
+            <a:ext cx="972709" cy="1935307"/>
+            <a:chOff x="10918968" y="713127"/>
+            <a:chExt cx="1273032" cy="2532832"/>
+          </a:xfrm>
+        </p:grpSpPr>
+        <p:sp>
+          <p:nvSpPr>
+            <p:cNvPr id="25" name="Rectangle 24">
+              <a:extLst>
+                <a:ext uri="{FF2B5EF4-FFF2-40B4-BE49-F238E27FC236}">
+                  <a16:creationId xmlns:a16="http://schemas.microsoft.com/office/drawing/2014/main" id="{CC1A72C6-3DE4-4EC3-9AD5-9E0D40D8CE8A}"/>
+                </a:ext>
+                <a:ext uri="{C183D7F6-B498-43B3-948B-1728B52AA6E4}">
+                  <adec:decorative xmlns:adec="http://schemas.microsoft.com/office/drawing/2017/decorative" val="1"/>
+                </a:ext>
+              </a:extLst>
+            </p:cNvPr>
+            <p:cNvSpPr/>
+            <p:nvPr>
+              <p:extLst>
+                <p:ext uri="{386F3935-93C4-4BCD-93E2-E3B085C9AB24}">
+                  <p16:designElem xmlns:p16="http://schemas.microsoft.com/office/powerpoint/2015/main" val="1"/>
+                </p:ext>
+              </p:extLst>
+            </p:nvPr>
+          </p:nvSpPr>
+          <p:spPr>
+            <a:xfrm rot="2700000">
+              <a:off x="11052629" y="2120024"/>
+              <a:ext cx="645368" cy="645368"/>
+            </a:xfrm>
+            <a:prstGeom prst="rect">
+              <a:avLst/>
+            </a:prstGeom>
+            <a:solidFill>
+              <a:schemeClr val="accent4">
+                <a:alpha val="30000"/>
+              </a:schemeClr>
+            </a:solidFill>
+            <a:ln>
+              <a:noFill/>
+            </a:ln>
+          </p:spPr>
+          <p:style>
+            <a:lnRef idx="2">
+              <a:schemeClr val="accent1">
+                <a:shade val="50000"/>
+              </a:schemeClr>
+            </a:lnRef>
+            <a:fillRef idx="1">
+              <a:schemeClr val="accent1"/>
+            </a:fillRef>
+            <a:effectRef idx="0">
+              <a:schemeClr val="accent1"/>
+            </a:effectRef>
+            <a:fontRef idx="minor">
+              <a:schemeClr val="lt1"/>
+            </a:fontRef>
+          </p:style>
+          <p:txBody>
+            <a:bodyPr rtlCol="0" anchor="ctr"/>
+            <a:lstStyle/>
+            <a:p>
+              <a:pPr algn="ctr"/>
+              <a:endParaRPr lang="en-US"/>
+            </a:p>
+          </p:txBody>
+        </p:sp>
+        <p:sp>
+          <p:nvSpPr>
+            <p:cNvPr id="26" name="Isosceles Triangle 25">
+              <a:extLst>
+                <a:ext uri="{FF2B5EF4-FFF2-40B4-BE49-F238E27FC236}">
+                  <a16:creationId xmlns:a16="http://schemas.microsoft.com/office/drawing/2014/main" id="{0B0DA1F1-C391-4EDF-9FE0-23E86E137765}"/>
+                </a:ext>
+                <a:ext uri="{C183D7F6-B498-43B3-948B-1728B52AA6E4}">
+                  <adec:decorative xmlns:adec="http://schemas.microsoft.com/office/drawing/2017/decorative" val="1"/>
+                </a:ext>
+              </a:extLst>
+            </p:cNvPr>
+            <p:cNvSpPr/>
+            <p:nvPr>
+              <p:extLst>
+                <p:ext uri="{386F3935-93C4-4BCD-93E2-E3B085C9AB24}">
+                  <p16:designElem xmlns:p16="http://schemas.microsoft.com/office/powerpoint/2015/main" val="1"/>
+                </p:ext>
+              </p:extLst>
+            </p:nvPr>
+          </p:nvSpPr>
+          <p:spPr>
+            <a:xfrm rot="16200000">
+              <a:off x="10289068" y="1343027"/>
+              <a:ext cx="2532832" cy="1273032"/>
+            </a:xfrm>
+            <a:prstGeom prst="triangle">
+              <a:avLst>
+                <a:gd name="adj" fmla="val 50000"/>
+              </a:avLst>
+            </a:prstGeom>
+            <a:solidFill>
+              <a:schemeClr val="accent4">
+                <a:alpha val="30000"/>
+              </a:schemeClr>
+            </a:solidFill>
+            <a:ln>
+              <a:noFill/>
+            </a:ln>
+          </p:spPr>
+          <p:style>
+            <a:lnRef idx="2">
+              <a:schemeClr val="accent1">
+                <a:shade val="50000"/>
+              </a:schemeClr>
+            </a:lnRef>
+            <a:fillRef idx="1">
+              <a:schemeClr val="accent1"/>
+            </a:fillRef>
+            <a:effectRef idx="0">
+              <a:schemeClr val="accent1"/>
+            </a:effectRef>
+            <a:fontRef idx="minor">
+              <a:schemeClr val="lt1"/>
+            </a:fontRef>
+          </p:style>
+          <p:txBody>
+            <a:bodyPr rtlCol="0" anchor="ctr"/>
+            <a:lstStyle/>
+            <a:p>
+              <a:pPr algn="ctr"/>
+              <a:endParaRPr lang="en-US" dirty="0"/>
+            </a:p>
+          </p:txBody>
+        </p:sp>
+      </p:grpSp>
+      <p:grpSp>
+        <p:nvGrpSpPr>
+          <p:cNvPr id="28" name="Group 27">
+            <a:extLst>
+              <a:ext uri="{FF2B5EF4-FFF2-40B4-BE49-F238E27FC236}">
+                <a16:creationId xmlns:a16="http://schemas.microsoft.com/office/drawing/2014/main" id="{828A5161-06F1-46CF-8AD7-844680A59E13}"/>
+              </a:ext>
+              <a:ext uri="{C183D7F6-B498-43B3-948B-1728B52AA6E4}">
+                <adec:decorative xmlns:adec="http://schemas.microsoft.com/office/drawing/2017/decorative" val="1"/>
+              </a:ext>
+            </a:extLst>
+          </p:cNvPr>
+          <p:cNvGrpSpPr>
+            <a:grpSpLocks noGrp="1" noUngrp="1" noRot="1" noChangeAspect="1" noMove="1" noResize="1"/>
+          </p:cNvGrpSpPr>
+          <p:nvPr>
+            <p:extLst>
+              <p:ext uri="{386F3935-93C4-4BCD-93E2-E3B085C9AB24}">
+                <p16:designElem xmlns:p16="http://schemas.microsoft.com/office/powerpoint/2015/main" val="1"/>
+              </p:ext>
+            </p:extLst>
+          </p:nvPr>
+        </p:nvGrpSpPr>
+        <p:grpSpPr>
+          <a:xfrm>
+            <a:off x="0" y="4601497"/>
+            <a:ext cx="1014060" cy="2017580"/>
+            <a:chOff x="0" y="4601497"/>
+            <a:chExt cx="1014060" cy="2017580"/>
+          </a:xfrm>
+        </p:grpSpPr>
+        <p:sp>
+          <p:nvSpPr>
+            <p:cNvPr id="29" name="Isosceles Triangle 28">
+              <a:extLst>
+                <a:ext uri="{FF2B5EF4-FFF2-40B4-BE49-F238E27FC236}">
+                  <a16:creationId xmlns:a16="http://schemas.microsoft.com/office/drawing/2014/main" id="{D3F51FEB-38FB-4F6C-9F7B-2F2AFAB65463}"/>
+                </a:ext>
+                <a:ext uri="{C183D7F6-B498-43B3-948B-1728B52AA6E4}">
+                  <adec:decorative xmlns:adec="http://schemas.microsoft.com/office/drawing/2017/decorative" val="1"/>
+                </a:ext>
+              </a:extLst>
+            </p:cNvPr>
+            <p:cNvSpPr/>
+            <p:nvPr>
+              <p:extLst>
+                <p:ext uri="{386F3935-93C4-4BCD-93E2-E3B085C9AB24}">
+                  <p16:designElem xmlns:p16="http://schemas.microsoft.com/office/powerpoint/2015/main" val="1"/>
+                </p:ext>
+              </p:extLst>
+            </p:nvPr>
+          </p:nvSpPr>
+          <p:spPr>
+            <a:xfrm rot="5400000">
+              <a:off x="-501760" y="5103257"/>
+              <a:ext cx="2017580" cy="1014060"/>
+            </a:xfrm>
+            <a:prstGeom prst="triangle">
+              <a:avLst>
+                <a:gd name="adj" fmla="val 50000"/>
+              </a:avLst>
+            </a:prstGeom>
+            <a:solidFill>
+              <a:schemeClr val="accent1">
+                <a:alpha val="30000"/>
+              </a:schemeClr>
+            </a:solidFill>
+            <a:ln>
+              <a:noFill/>
+            </a:ln>
+          </p:spPr>
+          <p:style>
+            <a:lnRef idx="2">
+              <a:schemeClr val="accent1">
+                <a:shade val="50000"/>
+              </a:schemeClr>
+            </a:lnRef>
+            <a:fillRef idx="1">
+              <a:schemeClr val="accent1"/>
+            </a:fillRef>
+            <a:effectRef idx="0">
+              <a:schemeClr val="accent1"/>
+            </a:effectRef>
+            <a:fontRef idx="minor">
+              <a:schemeClr val="lt1"/>
+            </a:fontRef>
+          </p:style>
+          <p:txBody>
+            <a:bodyPr rtlCol="0" anchor="ctr"/>
+            <a:lstStyle/>
+            <a:p>
+              <a:pPr algn="ctr"/>
+              <a:endParaRPr lang="en-US"/>
+            </a:p>
+          </p:txBody>
+        </p:sp>
+        <p:sp>
+          <p:nvSpPr>
+            <p:cNvPr id="30" name="Rectangle 29">
+              <a:extLst>
+                <a:ext uri="{FF2B5EF4-FFF2-40B4-BE49-F238E27FC236}">
+                  <a16:creationId xmlns:a16="http://schemas.microsoft.com/office/drawing/2014/main" id="{1E547BA6-BAE0-43BB-A7CA-60F69CE252F0}"/>
+                </a:ext>
+                <a:ext uri="{C183D7F6-B498-43B3-948B-1728B52AA6E4}">
+                  <adec:decorative xmlns:adec="http://schemas.microsoft.com/office/drawing/2017/decorative" val="1"/>
+                </a:ext>
+              </a:extLst>
+            </p:cNvPr>
+            <p:cNvSpPr/>
+            <p:nvPr>
+              <p:extLst>
+                <p:ext uri="{386F3935-93C4-4BCD-93E2-E3B085C9AB24}">
+                  <p16:designElem xmlns:p16="http://schemas.microsoft.com/office/powerpoint/2015/main" val="1"/>
+                </p:ext>
+              </p:extLst>
+            </p:nvPr>
+          </p:nvSpPr>
+          <p:spPr>
+            <a:xfrm rot="2700000">
+              <a:off x="427916" y="5728708"/>
+              <a:ext cx="485578" cy="485578"/>
+            </a:xfrm>
+            <a:prstGeom prst="rect">
+              <a:avLst/>
+            </a:prstGeom>
+            <a:solidFill>
+              <a:schemeClr val="accent1">
+                <a:alpha val="30000"/>
+              </a:schemeClr>
+            </a:solidFill>
+            <a:ln>
+              <a:noFill/>
+            </a:ln>
+          </p:spPr>
+          <p:style>
+            <a:lnRef idx="2">
+              <a:schemeClr val="accent1">
+                <a:shade val="50000"/>
+              </a:schemeClr>
+            </a:lnRef>
+            <a:fillRef idx="1">
+              <a:schemeClr val="accent1"/>
+            </a:fillRef>
+            <a:effectRef idx="0">
+              <a:schemeClr val="accent1"/>
+            </a:effectRef>
+            <a:fontRef idx="minor">
+              <a:schemeClr val="lt1"/>
+            </a:fontRef>
+          </p:style>
+          <p:txBody>
+            <a:bodyPr rtlCol="0" anchor="ctr"/>
+            <a:lstStyle/>
+            <a:p>
+              <a:pPr algn="ctr"/>
+              <a:endParaRPr lang="en-US"/>
+            </a:p>
+          </p:txBody>
+        </p:sp>
+      </p:grpSp>
       <p:sp>
         <p:nvSpPr>
           <p:cNvPr id="9" name="Content Placeholder 2">
             <a:extLst>
               <a:ext uri="{FF2B5EF4-FFF2-40B4-BE49-F238E27FC236}">
-                <a16:creationId xmlns:a16="http://schemas.microsoft.com/office/drawing/2014/main" id="{616CEC61-5BEC-5945-870D-F4A33BDF8C36}"/>
+                <a16:creationId xmlns:a16="http://schemas.microsoft.com/office/drawing/2014/main" id="{6907A8D5-9BD1-6E49-B763-855DDBEFACC8}"/>
               </a:ext>
             </a:extLst>
           </p:cNvPr>
@@ -7461,10 +8193,10 @@
       </p:sp>
       <p:graphicFrame>
         <p:nvGraphicFramePr>
-          <p:cNvPr id="11" name="Table 11">
-            <a:extLst>
-              <a:ext uri="{FF2B5EF4-FFF2-40B4-BE49-F238E27FC236}">
-                <a16:creationId xmlns:a16="http://schemas.microsoft.com/office/drawing/2014/main" id="{E86F9564-16DD-9446-9FED-AB5204C60B65}"/>
+          <p:cNvPr id="10" name="Table 11">
+            <a:extLst>
+              <a:ext uri="{FF2B5EF4-FFF2-40B4-BE49-F238E27FC236}">
+                <a16:creationId xmlns:a16="http://schemas.microsoft.com/office/drawing/2014/main" id="{4DCA6735-216B-CF4B-8AD0-58274178308B}"/>
               </a:ext>
             </a:extLst>
           </p:cNvPr>
@@ -7474,7 +8206,7 @@
           <p:nvPr>
             <p:extLst>
               <p:ext uri="{D42A27DB-BD31-4B8C-83A1-F6EECF244321}">
-                <p14:modId xmlns:p14="http://schemas.microsoft.com/office/powerpoint/2010/main" val="638346435"/>
+                <p14:modId xmlns:p14="http://schemas.microsoft.com/office/powerpoint/2010/main" val="3123593894"/>
               </p:ext>
             </p:extLst>
           </p:nvPr>
@@ -7755,10 +8487,10 @@
         <mc:Choice xmlns:p14="http://schemas.microsoft.com/office/powerpoint/2010/main" Requires="p14">
           <p:contentPart p14:bwMode="auto" r:id="rId2">
             <p14:nvContentPartPr>
-              <p14:cNvPr id="10" name="Ink 9">
+              <p14:cNvPr id="11" name="Ink 10">
                 <a:extLst>
                   <a:ext uri="{FF2B5EF4-FFF2-40B4-BE49-F238E27FC236}">
-                    <a16:creationId xmlns:a16="http://schemas.microsoft.com/office/drawing/2014/main" id="{71B3D83A-3A51-F94E-B93A-AF83B2A9C0E4}"/>
+                    <a16:creationId xmlns:a16="http://schemas.microsoft.com/office/drawing/2014/main" id="{6494E426-902B-CC46-9B67-BB1044F9CE91}"/>
                   </a:ext>
                 </a:extLst>
               </p14:cNvPr>
@@ -7774,10 +8506,10 @@
         <mc:Fallback>
           <p:pic>
             <p:nvPicPr>
-              <p:cNvPr id="10" name="Ink 9">
+              <p:cNvPr id="11" name="Ink 10">
                 <a:extLst>
                   <a:ext uri="{FF2B5EF4-FFF2-40B4-BE49-F238E27FC236}">
-                    <a16:creationId xmlns:a16="http://schemas.microsoft.com/office/drawing/2014/main" id="{71B3D83A-3A51-F94E-B93A-AF83B2A9C0E4}"/>
+                    <a16:creationId xmlns:a16="http://schemas.microsoft.com/office/drawing/2014/main" id="{6494E426-902B-CC46-9B67-BB1044F9CE91}"/>
                   </a:ext>
                 </a:extLst>
               </p:cNvPr>
@@ -7792,7 +8524,7 @@
             </p:blipFill>
             <p:spPr>
               <a:xfrm>
-                <a:off x="8475161" y="3168252"/>
+                <a:off x="8475161" y="3167892"/>
                 <a:ext cx="216360" cy="146880"/>
               </a:xfrm>
               <a:prstGeom prst="rect">
@@ -7806,10 +8538,10 @@
         <mc:Choice xmlns:p14="http://schemas.microsoft.com/office/powerpoint/2010/main" Requires="p14">
           <p:contentPart p14:bwMode="auto" r:id="rId4">
             <p14:nvContentPartPr>
-              <p14:cNvPr id="15" name="Ink 14">
+              <p14:cNvPr id="12" name="Ink 11">
                 <a:extLst>
                   <a:ext uri="{FF2B5EF4-FFF2-40B4-BE49-F238E27FC236}">
-                    <a16:creationId xmlns:a16="http://schemas.microsoft.com/office/drawing/2014/main" id="{CB9024B6-7F36-BE41-918B-C08EE459631A}"/>
+                    <a16:creationId xmlns:a16="http://schemas.microsoft.com/office/drawing/2014/main" id="{CEAE2236-0FF4-B649-898B-E5D5A940FB5B}"/>
                   </a:ext>
                 </a:extLst>
               </p14:cNvPr>
@@ -7825,10 +8557,10 @@
         <mc:Fallback>
           <p:pic>
             <p:nvPicPr>
-              <p:cNvPr id="15" name="Ink 14">
+              <p:cNvPr id="12" name="Ink 11">
                 <a:extLst>
                   <a:ext uri="{FF2B5EF4-FFF2-40B4-BE49-F238E27FC236}">
-                    <a16:creationId xmlns:a16="http://schemas.microsoft.com/office/drawing/2014/main" id="{CB9024B6-7F36-BE41-918B-C08EE459631A}"/>
+                    <a16:creationId xmlns:a16="http://schemas.microsoft.com/office/drawing/2014/main" id="{CEAE2236-0FF4-B649-898B-E5D5A940FB5B}"/>
                   </a:ext>
                 </a:extLst>
               </p:cNvPr>
@@ -7843,7 +8575,7 @@
             </p:blipFill>
             <p:spPr>
               <a:xfrm>
-                <a:off x="8521961" y="4283172"/>
+                <a:off x="8521601" y="4283172"/>
                 <a:ext cx="174960" cy="146520"/>
               </a:xfrm>
               <a:prstGeom prst="rect">
@@ -7853,10 +8585,64 @@
           </p:pic>
         </mc:Fallback>
       </mc:AlternateContent>
+      <p:sp>
+        <p:nvSpPr>
+          <p:cNvPr id="13" name="Title 1">
+            <a:extLst>
+              <a:ext uri="{FF2B5EF4-FFF2-40B4-BE49-F238E27FC236}">
+                <a16:creationId xmlns:a16="http://schemas.microsoft.com/office/drawing/2014/main" id="{565A7ABD-7078-2C40-9DBB-8E24F41DE819}"/>
+              </a:ext>
+            </a:extLst>
+          </p:cNvPr>
+          <p:cNvSpPr txBox="1">
+            <a:spLocks/>
+          </p:cNvSpPr>
+          <p:nvPr/>
+        </p:nvSpPr>
+        <p:spPr>
+          <a:xfrm>
+            <a:off x="643467" y="321734"/>
+            <a:ext cx="10905066" cy="1135737"/>
+          </a:xfrm>
+          <a:prstGeom prst="rect">
+            <a:avLst/>
+          </a:prstGeom>
+        </p:spPr>
+        <p:txBody>
+          <a:bodyPr vert="horz" lIns="91440" tIns="45720" rIns="91440" bIns="45720" rtlCol="0" anchor="ctr">
+            <a:normAutofit/>
+          </a:bodyPr>
+          <a:lstStyle>
+            <a:lvl1pPr algn="l" defTabSz="914400" rtl="0" eaLnBrk="1" latinLnBrk="0" hangingPunct="1">
+              <a:lnSpc>
+                <a:spcPct val="90000"/>
+              </a:lnSpc>
+              <a:spcBef>
+                <a:spcPct val="0"/>
+              </a:spcBef>
+              <a:buNone/>
+              <a:defRPr sz="4400" kern="1200">
+                <a:solidFill>
+                  <a:schemeClr val="tx1"/>
+                </a:solidFill>
+                <a:latin typeface="+mj-lt"/>
+                <a:ea typeface="+mj-ea"/>
+                <a:cs typeface="+mj-cs"/>
+              </a:defRPr>
+            </a:lvl1pPr>
+          </a:lstStyle>
+          <a:p>
+            <a:r>
+              <a:rPr lang="en-US" sz="3600" dirty="0"/>
+              <a:t>Modeling</a:t>
+            </a:r>
+          </a:p>
+        </p:txBody>
+      </p:sp>
     </p:spTree>
     <p:extLst>
       <p:ext uri="{BB962C8B-B14F-4D97-AF65-F5344CB8AC3E}">
-        <p14:creationId xmlns:p14="http://schemas.microsoft.com/office/powerpoint/2010/main" val="3031499453"/>
+        <p14:creationId xmlns:p14="http://schemas.microsoft.com/office/powerpoint/2010/main" val="2271022204"/>
       </p:ext>
     </p:extLst>
   </p:cSld>
@@ -7869,6 +8655,14 @@
 <file path=ppt/slides/slide15.xml><?xml version="1.0" encoding="utf-8"?>
 <p:sld xmlns:a="http://schemas.openxmlformats.org/drawingml/2006/main" xmlns:r="http://schemas.openxmlformats.org/officeDocument/2006/relationships" xmlns:p="http://schemas.openxmlformats.org/presentationml/2006/main">
   <p:cSld>
+    <p:bg>
+      <p:bgPr>
+        <a:solidFill>
+          <a:schemeClr val="bg1"/>
+        </a:solidFill>
+        <a:effectLst/>
+      </p:bgPr>
+    </p:bg>
     <p:spTree>
       <p:nvGrpSpPr>
         <p:cNvPr id="1" name=""/>
@@ -7885,10 +8679,393 @@
       </p:grpSpPr>
       <p:sp>
         <p:nvSpPr>
-          <p:cNvPr id="2" name="Title 1">
-            <a:extLst>
-              <a:ext uri="{FF2B5EF4-FFF2-40B4-BE49-F238E27FC236}">
-                <a16:creationId xmlns:a16="http://schemas.microsoft.com/office/drawing/2014/main" id="{48EE95B9-CA3D-4C43-9B1B-7FAF5090BC08}"/>
+          <p:cNvPr id="22" name="Rectangle 21">
+            <a:extLst>
+              <a:ext uri="{FF2B5EF4-FFF2-40B4-BE49-F238E27FC236}">
+                <a16:creationId xmlns:a16="http://schemas.microsoft.com/office/drawing/2014/main" id="{2B566528-1B12-4246-9431-5C2D7D081168}"/>
+              </a:ext>
+              <a:ext uri="{C183D7F6-B498-43B3-948B-1728B52AA6E4}">
+                <adec:decorative xmlns:adec="http://schemas.microsoft.com/office/drawing/2017/decorative" val="1"/>
+              </a:ext>
+            </a:extLst>
+          </p:cNvPr>
+          <p:cNvSpPr>
+            <a:spLocks noGrp="1" noRot="1" noChangeAspect="1" noMove="1" noResize="1" noEditPoints="1" noAdjustHandles="1" noChangeArrowheads="1" noChangeShapeType="1" noTextEdit="1"/>
+          </p:cNvSpPr>
+          <p:nvPr>
+            <p:extLst>
+              <p:ext uri="{386F3935-93C4-4BCD-93E2-E3B085C9AB24}">
+                <p16:designElem xmlns:p16="http://schemas.microsoft.com/office/powerpoint/2015/main" val="1"/>
+              </p:ext>
+            </p:extLst>
+          </p:nvPr>
+        </p:nvSpPr>
+        <p:spPr>
+          <a:xfrm>
+            <a:off x="0" y="0"/>
+            <a:ext cx="12192000" cy="6858000"/>
+          </a:xfrm>
+          <a:prstGeom prst="rect">
+            <a:avLst/>
+          </a:prstGeom>
+          <a:solidFill>
+            <a:schemeClr val="bg1"/>
+          </a:solidFill>
+          <a:ln>
+            <a:noFill/>
+          </a:ln>
+        </p:spPr>
+        <p:style>
+          <a:lnRef idx="2">
+            <a:schemeClr val="accent1">
+              <a:shade val="50000"/>
+            </a:schemeClr>
+          </a:lnRef>
+          <a:fillRef idx="1">
+            <a:schemeClr val="accent1"/>
+          </a:fillRef>
+          <a:effectRef idx="0">
+            <a:schemeClr val="accent1"/>
+          </a:effectRef>
+          <a:fontRef idx="minor">
+            <a:schemeClr val="lt1"/>
+          </a:fontRef>
+        </p:style>
+        <p:txBody>
+          <a:bodyPr rtlCol="0" anchor="ctr"/>
+          <a:lstStyle/>
+          <a:p>
+            <a:pPr algn="ctr"/>
+            <a:endParaRPr lang="en-US" dirty="0"/>
+          </a:p>
+        </p:txBody>
+      </p:sp>
+      <p:grpSp>
+        <p:nvGrpSpPr>
+          <p:cNvPr id="24" name="Group 23">
+            <a:extLst>
+              <a:ext uri="{FF2B5EF4-FFF2-40B4-BE49-F238E27FC236}">
+                <a16:creationId xmlns:a16="http://schemas.microsoft.com/office/drawing/2014/main" id="{5995D10D-E9C9-47DB-AE7E-801FEF38F5C9}"/>
+              </a:ext>
+              <a:ext uri="{C183D7F6-B498-43B3-948B-1728B52AA6E4}">
+                <adec:decorative xmlns:adec="http://schemas.microsoft.com/office/drawing/2017/decorative" val="1"/>
+              </a:ext>
+            </a:extLst>
+          </p:cNvPr>
+          <p:cNvGrpSpPr>
+            <a:grpSpLocks noGrp="1" noUngrp="1" noRot="1" noChangeAspect="1" noMove="1" noResize="1"/>
+          </p:cNvGrpSpPr>
+          <p:nvPr>
+            <p:extLst>
+              <p:ext uri="{386F3935-93C4-4BCD-93E2-E3B085C9AB24}">
+                <p16:designElem xmlns:p16="http://schemas.microsoft.com/office/powerpoint/2015/main" val="1"/>
+              </p:ext>
+            </p:extLst>
+          </p:nvPr>
+        </p:nvGrpSpPr>
+        <p:grpSpPr>
+          <a:xfrm>
+            <a:off x="11219290" y="1"/>
+            <a:ext cx="972709" cy="1935307"/>
+            <a:chOff x="10918968" y="713127"/>
+            <a:chExt cx="1273032" cy="2532832"/>
+          </a:xfrm>
+        </p:grpSpPr>
+        <p:sp>
+          <p:nvSpPr>
+            <p:cNvPr id="25" name="Rectangle 24">
+              <a:extLst>
+                <a:ext uri="{FF2B5EF4-FFF2-40B4-BE49-F238E27FC236}">
+                  <a16:creationId xmlns:a16="http://schemas.microsoft.com/office/drawing/2014/main" id="{CC1A72C6-3DE4-4EC3-9AD5-9E0D40D8CE8A}"/>
+                </a:ext>
+                <a:ext uri="{C183D7F6-B498-43B3-948B-1728B52AA6E4}">
+                  <adec:decorative xmlns:adec="http://schemas.microsoft.com/office/drawing/2017/decorative" val="1"/>
+                </a:ext>
+              </a:extLst>
+            </p:cNvPr>
+            <p:cNvSpPr/>
+            <p:nvPr>
+              <p:extLst>
+                <p:ext uri="{386F3935-93C4-4BCD-93E2-E3B085C9AB24}">
+                  <p16:designElem xmlns:p16="http://schemas.microsoft.com/office/powerpoint/2015/main" val="1"/>
+                </p:ext>
+              </p:extLst>
+            </p:nvPr>
+          </p:nvSpPr>
+          <p:spPr>
+            <a:xfrm rot="2700000">
+              <a:off x="11052629" y="2120024"/>
+              <a:ext cx="645368" cy="645368"/>
+            </a:xfrm>
+            <a:prstGeom prst="rect">
+              <a:avLst/>
+            </a:prstGeom>
+            <a:solidFill>
+              <a:schemeClr val="accent4">
+                <a:alpha val="30000"/>
+              </a:schemeClr>
+            </a:solidFill>
+            <a:ln>
+              <a:noFill/>
+            </a:ln>
+          </p:spPr>
+          <p:style>
+            <a:lnRef idx="2">
+              <a:schemeClr val="accent1">
+                <a:shade val="50000"/>
+              </a:schemeClr>
+            </a:lnRef>
+            <a:fillRef idx="1">
+              <a:schemeClr val="accent1"/>
+            </a:fillRef>
+            <a:effectRef idx="0">
+              <a:schemeClr val="accent1"/>
+            </a:effectRef>
+            <a:fontRef idx="minor">
+              <a:schemeClr val="lt1"/>
+            </a:fontRef>
+          </p:style>
+          <p:txBody>
+            <a:bodyPr rtlCol="0" anchor="ctr"/>
+            <a:lstStyle/>
+            <a:p>
+              <a:pPr algn="ctr"/>
+              <a:endParaRPr lang="en-US"/>
+            </a:p>
+          </p:txBody>
+        </p:sp>
+        <p:sp>
+          <p:nvSpPr>
+            <p:cNvPr id="26" name="Isosceles Triangle 25">
+              <a:extLst>
+                <a:ext uri="{FF2B5EF4-FFF2-40B4-BE49-F238E27FC236}">
+                  <a16:creationId xmlns:a16="http://schemas.microsoft.com/office/drawing/2014/main" id="{0B0DA1F1-C391-4EDF-9FE0-23E86E137765}"/>
+                </a:ext>
+                <a:ext uri="{C183D7F6-B498-43B3-948B-1728B52AA6E4}">
+                  <adec:decorative xmlns:adec="http://schemas.microsoft.com/office/drawing/2017/decorative" val="1"/>
+                </a:ext>
+              </a:extLst>
+            </p:cNvPr>
+            <p:cNvSpPr/>
+            <p:nvPr>
+              <p:extLst>
+                <p:ext uri="{386F3935-93C4-4BCD-93E2-E3B085C9AB24}">
+                  <p16:designElem xmlns:p16="http://schemas.microsoft.com/office/powerpoint/2015/main" val="1"/>
+                </p:ext>
+              </p:extLst>
+            </p:nvPr>
+          </p:nvSpPr>
+          <p:spPr>
+            <a:xfrm rot="16200000">
+              <a:off x="10289068" y="1343027"/>
+              <a:ext cx="2532832" cy="1273032"/>
+            </a:xfrm>
+            <a:prstGeom prst="triangle">
+              <a:avLst>
+                <a:gd name="adj" fmla="val 50000"/>
+              </a:avLst>
+            </a:prstGeom>
+            <a:solidFill>
+              <a:schemeClr val="accent4">
+                <a:alpha val="30000"/>
+              </a:schemeClr>
+            </a:solidFill>
+            <a:ln>
+              <a:noFill/>
+            </a:ln>
+          </p:spPr>
+          <p:style>
+            <a:lnRef idx="2">
+              <a:schemeClr val="accent1">
+                <a:shade val="50000"/>
+              </a:schemeClr>
+            </a:lnRef>
+            <a:fillRef idx="1">
+              <a:schemeClr val="accent1"/>
+            </a:fillRef>
+            <a:effectRef idx="0">
+              <a:schemeClr val="accent1"/>
+            </a:effectRef>
+            <a:fontRef idx="minor">
+              <a:schemeClr val="lt1"/>
+            </a:fontRef>
+          </p:style>
+          <p:txBody>
+            <a:bodyPr rtlCol="0" anchor="ctr"/>
+            <a:lstStyle/>
+            <a:p>
+              <a:pPr algn="ctr"/>
+              <a:endParaRPr lang="en-US" dirty="0"/>
+            </a:p>
+          </p:txBody>
+        </p:sp>
+      </p:grpSp>
+      <p:grpSp>
+        <p:nvGrpSpPr>
+          <p:cNvPr id="28" name="Group 27">
+            <a:extLst>
+              <a:ext uri="{FF2B5EF4-FFF2-40B4-BE49-F238E27FC236}">
+                <a16:creationId xmlns:a16="http://schemas.microsoft.com/office/drawing/2014/main" id="{828A5161-06F1-46CF-8AD7-844680A59E13}"/>
+              </a:ext>
+              <a:ext uri="{C183D7F6-B498-43B3-948B-1728B52AA6E4}">
+                <adec:decorative xmlns:adec="http://schemas.microsoft.com/office/drawing/2017/decorative" val="1"/>
+              </a:ext>
+            </a:extLst>
+          </p:cNvPr>
+          <p:cNvGrpSpPr>
+            <a:grpSpLocks noGrp="1" noUngrp="1" noRot="1" noChangeAspect="1" noMove="1" noResize="1"/>
+          </p:cNvGrpSpPr>
+          <p:nvPr>
+            <p:extLst>
+              <p:ext uri="{386F3935-93C4-4BCD-93E2-E3B085C9AB24}">
+                <p16:designElem xmlns:p16="http://schemas.microsoft.com/office/powerpoint/2015/main" val="1"/>
+              </p:ext>
+            </p:extLst>
+          </p:nvPr>
+        </p:nvGrpSpPr>
+        <p:grpSpPr>
+          <a:xfrm>
+            <a:off x="0" y="4601497"/>
+            <a:ext cx="1014060" cy="2017580"/>
+            <a:chOff x="0" y="4601497"/>
+            <a:chExt cx="1014060" cy="2017580"/>
+          </a:xfrm>
+        </p:grpSpPr>
+        <p:sp>
+          <p:nvSpPr>
+            <p:cNvPr id="29" name="Isosceles Triangle 28">
+              <a:extLst>
+                <a:ext uri="{FF2B5EF4-FFF2-40B4-BE49-F238E27FC236}">
+                  <a16:creationId xmlns:a16="http://schemas.microsoft.com/office/drawing/2014/main" id="{D3F51FEB-38FB-4F6C-9F7B-2F2AFAB65463}"/>
+                </a:ext>
+                <a:ext uri="{C183D7F6-B498-43B3-948B-1728B52AA6E4}">
+                  <adec:decorative xmlns:adec="http://schemas.microsoft.com/office/drawing/2017/decorative" val="1"/>
+                </a:ext>
+              </a:extLst>
+            </p:cNvPr>
+            <p:cNvSpPr/>
+            <p:nvPr>
+              <p:extLst>
+                <p:ext uri="{386F3935-93C4-4BCD-93E2-E3B085C9AB24}">
+                  <p16:designElem xmlns:p16="http://schemas.microsoft.com/office/powerpoint/2015/main" val="1"/>
+                </p:ext>
+              </p:extLst>
+            </p:nvPr>
+          </p:nvSpPr>
+          <p:spPr>
+            <a:xfrm rot="5400000">
+              <a:off x="-501760" y="5103257"/>
+              <a:ext cx="2017580" cy="1014060"/>
+            </a:xfrm>
+            <a:prstGeom prst="triangle">
+              <a:avLst>
+                <a:gd name="adj" fmla="val 50000"/>
+              </a:avLst>
+            </a:prstGeom>
+            <a:solidFill>
+              <a:schemeClr val="accent1">
+                <a:alpha val="30000"/>
+              </a:schemeClr>
+            </a:solidFill>
+            <a:ln>
+              <a:noFill/>
+            </a:ln>
+          </p:spPr>
+          <p:style>
+            <a:lnRef idx="2">
+              <a:schemeClr val="accent1">
+                <a:shade val="50000"/>
+              </a:schemeClr>
+            </a:lnRef>
+            <a:fillRef idx="1">
+              <a:schemeClr val="accent1"/>
+            </a:fillRef>
+            <a:effectRef idx="0">
+              <a:schemeClr val="accent1"/>
+            </a:effectRef>
+            <a:fontRef idx="minor">
+              <a:schemeClr val="lt1"/>
+            </a:fontRef>
+          </p:style>
+          <p:txBody>
+            <a:bodyPr rtlCol="0" anchor="ctr"/>
+            <a:lstStyle/>
+            <a:p>
+              <a:pPr algn="ctr"/>
+              <a:endParaRPr lang="en-US"/>
+            </a:p>
+          </p:txBody>
+        </p:sp>
+        <p:sp>
+          <p:nvSpPr>
+            <p:cNvPr id="30" name="Rectangle 29">
+              <a:extLst>
+                <a:ext uri="{FF2B5EF4-FFF2-40B4-BE49-F238E27FC236}">
+                  <a16:creationId xmlns:a16="http://schemas.microsoft.com/office/drawing/2014/main" id="{1E547BA6-BAE0-43BB-A7CA-60F69CE252F0}"/>
+                </a:ext>
+                <a:ext uri="{C183D7F6-B498-43B3-948B-1728B52AA6E4}">
+                  <adec:decorative xmlns:adec="http://schemas.microsoft.com/office/drawing/2017/decorative" val="1"/>
+                </a:ext>
+              </a:extLst>
+            </p:cNvPr>
+            <p:cNvSpPr/>
+            <p:nvPr>
+              <p:extLst>
+                <p:ext uri="{386F3935-93C4-4BCD-93E2-E3B085C9AB24}">
+                  <p16:designElem xmlns:p16="http://schemas.microsoft.com/office/powerpoint/2015/main" val="1"/>
+                </p:ext>
+              </p:extLst>
+            </p:nvPr>
+          </p:nvSpPr>
+          <p:spPr>
+            <a:xfrm rot="2700000">
+              <a:off x="427916" y="5728708"/>
+              <a:ext cx="485578" cy="485578"/>
+            </a:xfrm>
+            <a:prstGeom prst="rect">
+              <a:avLst/>
+            </a:prstGeom>
+            <a:solidFill>
+              <a:schemeClr val="accent1">
+                <a:alpha val="30000"/>
+              </a:schemeClr>
+            </a:solidFill>
+            <a:ln>
+              <a:noFill/>
+            </a:ln>
+          </p:spPr>
+          <p:style>
+            <a:lnRef idx="2">
+              <a:schemeClr val="accent1">
+                <a:shade val="50000"/>
+              </a:schemeClr>
+            </a:lnRef>
+            <a:fillRef idx="1">
+              <a:schemeClr val="accent1"/>
+            </a:fillRef>
+            <a:effectRef idx="0">
+              <a:schemeClr val="accent1"/>
+            </a:effectRef>
+            <a:fontRef idx="minor">
+              <a:schemeClr val="lt1"/>
+            </a:fontRef>
+          </p:style>
+          <p:txBody>
+            <a:bodyPr rtlCol="0" anchor="ctr"/>
+            <a:lstStyle/>
+            <a:p>
+              <a:pPr algn="ctr"/>
+              <a:endParaRPr lang="en-US"/>
+            </a:p>
+          </p:txBody>
+        </p:sp>
+      </p:grpSp>
+      <p:sp>
+        <p:nvSpPr>
+          <p:cNvPr id="16" name="Title 1">
+            <a:extLst>
+              <a:ext uri="{FF2B5EF4-FFF2-40B4-BE49-F238E27FC236}">
+                <a16:creationId xmlns:a16="http://schemas.microsoft.com/office/drawing/2014/main" id="{22B9C0D2-E94D-1547-97D2-C1059A52419A}"/>
               </a:ext>
             </a:extLst>
           </p:cNvPr>
@@ -7899,7 +9076,12 @@
             <p:ph type="title"/>
           </p:nvPr>
         </p:nvSpPr>
-        <p:spPr/>
+        <p:spPr>
+          <a:xfrm>
+            <a:off x="990600" y="517525"/>
+            <a:ext cx="10515600" cy="1325563"/>
+          </a:xfrm>
+        </p:spPr>
         <p:txBody>
           <a:bodyPr/>
           <a:lstStyle/>
@@ -7913,55 +9095,226 @@
       </p:sp>
       <p:sp>
         <p:nvSpPr>
-          <p:cNvPr id="3" name="Content Placeholder 2">
-            <a:extLst>
-              <a:ext uri="{FF2B5EF4-FFF2-40B4-BE49-F238E27FC236}">
-                <a16:creationId xmlns:a16="http://schemas.microsoft.com/office/drawing/2014/main" id="{E8BC87C1-AE27-7D4A-BC0C-E623228E5449}"/>
-              </a:ext>
-            </a:extLst>
-          </p:cNvPr>
-          <p:cNvSpPr>
-            <a:spLocks noGrp="1"/>
+          <p:cNvPr id="17" name="Content Placeholder 2">
+            <a:extLst>
+              <a:ext uri="{FF2B5EF4-FFF2-40B4-BE49-F238E27FC236}">
+                <a16:creationId xmlns:a16="http://schemas.microsoft.com/office/drawing/2014/main" id="{E5AFC630-3EF6-3049-9F2A-363D58879F8F}"/>
+              </a:ext>
+            </a:extLst>
+          </p:cNvPr>
+          <p:cNvSpPr txBox="1">
+            <a:spLocks/>
           </p:cNvSpPr>
-          <p:nvPr>
-            <p:ph idx="1"/>
-          </p:nvPr>
+          <p:nvPr/>
         </p:nvSpPr>
-        <p:spPr/>
+        <p:spPr>
+          <a:xfrm>
+            <a:off x="990600" y="1978025"/>
+            <a:ext cx="10515600" cy="4351338"/>
+          </a:xfrm>
+          <a:prstGeom prst="rect">
+            <a:avLst/>
+          </a:prstGeom>
+        </p:spPr>
         <p:txBody>
-          <a:bodyPr/>
-          <a:lstStyle/>
+          <a:bodyPr vert="horz" lIns="91440" tIns="45720" rIns="91440" bIns="45720" rtlCol="0">
+            <a:normAutofit/>
+          </a:bodyPr>
+          <a:lstStyle>
+            <a:lvl1pPr marL="228600" indent="-228600" algn="l" defTabSz="914400" rtl="0" eaLnBrk="1" latinLnBrk="0" hangingPunct="1">
+              <a:lnSpc>
+                <a:spcPct val="90000"/>
+              </a:lnSpc>
+              <a:spcBef>
+                <a:spcPts val="1000"/>
+              </a:spcBef>
+              <a:buFont typeface="Arial" panose="020B0604020202020204" pitchFamily="34" charset="0"/>
+              <a:buChar char="•"/>
+              <a:defRPr sz="2800" kern="1200">
+                <a:solidFill>
+                  <a:schemeClr val="tx1"/>
+                </a:solidFill>
+                <a:latin typeface="+mn-lt"/>
+                <a:ea typeface="+mn-ea"/>
+                <a:cs typeface="+mn-cs"/>
+              </a:defRPr>
+            </a:lvl1pPr>
+            <a:lvl2pPr marL="685800" indent="-228600" algn="l" defTabSz="914400" rtl="0" eaLnBrk="1" latinLnBrk="0" hangingPunct="1">
+              <a:lnSpc>
+                <a:spcPct val="90000"/>
+              </a:lnSpc>
+              <a:spcBef>
+                <a:spcPts val="500"/>
+              </a:spcBef>
+              <a:buFont typeface="Arial" panose="020B0604020202020204" pitchFamily="34" charset="0"/>
+              <a:buChar char="•"/>
+              <a:defRPr sz="2400" kern="1200">
+                <a:solidFill>
+                  <a:schemeClr val="tx1"/>
+                </a:solidFill>
+                <a:latin typeface="+mn-lt"/>
+                <a:ea typeface="+mn-ea"/>
+                <a:cs typeface="+mn-cs"/>
+              </a:defRPr>
+            </a:lvl2pPr>
+            <a:lvl3pPr marL="1143000" indent="-228600" algn="l" defTabSz="914400" rtl="0" eaLnBrk="1" latinLnBrk="0" hangingPunct="1">
+              <a:lnSpc>
+                <a:spcPct val="90000"/>
+              </a:lnSpc>
+              <a:spcBef>
+                <a:spcPts val="500"/>
+              </a:spcBef>
+              <a:buFont typeface="Arial" panose="020B0604020202020204" pitchFamily="34" charset="0"/>
+              <a:buChar char="•"/>
+              <a:defRPr sz="2000" kern="1200">
+                <a:solidFill>
+                  <a:schemeClr val="tx1"/>
+                </a:solidFill>
+                <a:latin typeface="+mn-lt"/>
+                <a:ea typeface="+mn-ea"/>
+                <a:cs typeface="+mn-cs"/>
+              </a:defRPr>
+            </a:lvl3pPr>
+            <a:lvl4pPr marL="1600200" indent="-228600" algn="l" defTabSz="914400" rtl="0" eaLnBrk="1" latinLnBrk="0" hangingPunct="1">
+              <a:lnSpc>
+                <a:spcPct val="90000"/>
+              </a:lnSpc>
+              <a:spcBef>
+                <a:spcPts val="500"/>
+              </a:spcBef>
+              <a:buFont typeface="Arial" panose="020B0604020202020204" pitchFamily="34" charset="0"/>
+              <a:buChar char="•"/>
+              <a:defRPr sz="1800" kern="1200">
+                <a:solidFill>
+                  <a:schemeClr val="tx1"/>
+                </a:solidFill>
+                <a:latin typeface="+mn-lt"/>
+                <a:ea typeface="+mn-ea"/>
+                <a:cs typeface="+mn-cs"/>
+              </a:defRPr>
+            </a:lvl4pPr>
+            <a:lvl5pPr marL="2057400" indent="-228600" algn="l" defTabSz="914400" rtl="0" eaLnBrk="1" latinLnBrk="0" hangingPunct="1">
+              <a:lnSpc>
+                <a:spcPct val="90000"/>
+              </a:lnSpc>
+              <a:spcBef>
+                <a:spcPts val="500"/>
+              </a:spcBef>
+              <a:buFont typeface="Arial" panose="020B0604020202020204" pitchFamily="34" charset="0"/>
+              <a:buChar char="•"/>
+              <a:defRPr sz="1800" kern="1200">
+                <a:solidFill>
+                  <a:schemeClr val="tx1"/>
+                </a:solidFill>
+                <a:latin typeface="+mn-lt"/>
+                <a:ea typeface="+mn-ea"/>
+                <a:cs typeface="+mn-cs"/>
+              </a:defRPr>
+            </a:lvl5pPr>
+            <a:lvl6pPr marL="2514600" indent="-228600" algn="l" defTabSz="914400" rtl="0" eaLnBrk="1" latinLnBrk="0" hangingPunct="1">
+              <a:lnSpc>
+                <a:spcPct val="90000"/>
+              </a:lnSpc>
+              <a:spcBef>
+                <a:spcPts val="500"/>
+              </a:spcBef>
+              <a:buFont typeface="Arial" panose="020B0604020202020204" pitchFamily="34" charset="0"/>
+              <a:buChar char="•"/>
+              <a:defRPr sz="1800" kern="1200">
+                <a:solidFill>
+                  <a:schemeClr val="tx1"/>
+                </a:solidFill>
+                <a:latin typeface="+mn-lt"/>
+                <a:ea typeface="+mn-ea"/>
+                <a:cs typeface="+mn-cs"/>
+              </a:defRPr>
+            </a:lvl6pPr>
+            <a:lvl7pPr marL="2971800" indent="-228600" algn="l" defTabSz="914400" rtl="0" eaLnBrk="1" latinLnBrk="0" hangingPunct="1">
+              <a:lnSpc>
+                <a:spcPct val="90000"/>
+              </a:lnSpc>
+              <a:spcBef>
+                <a:spcPts val="500"/>
+              </a:spcBef>
+              <a:buFont typeface="Arial" panose="020B0604020202020204" pitchFamily="34" charset="0"/>
+              <a:buChar char="•"/>
+              <a:defRPr sz="1800" kern="1200">
+                <a:solidFill>
+                  <a:schemeClr val="tx1"/>
+                </a:solidFill>
+                <a:latin typeface="+mn-lt"/>
+                <a:ea typeface="+mn-ea"/>
+                <a:cs typeface="+mn-cs"/>
+              </a:defRPr>
+            </a:lvl7pPr>
+            <a:lvl8pPr marL="3429000" indent="-228600" algn="l" defTabSz="914400" rtl="0" eaLnBrk="1" latinLnBrk="0" hangingPunct="1">
+              <a:lnSpc>
+                <a:spcPct val="90000"/>
+              </a:lnSpc>
+              <a:spcBef>
+                <a:spcPts val="500"/>
+              </a:spcBef>
+              <a:buFont typeface="Arial" panose="020B0604020202020204" pitchFamily="34" charset="0"/>
+              <a:buChar char="•"/>
+              <a:defRPr sz="1800" kern="1200">
+                <a:solidFill>
+                  <a:schemeClr val="tx1"/>
+                </a:solidFill>
+                <a:latin typeface="+mn-lt"/>
+                <a:ea typeface="+mn-ea"/>
+                <a:cs typeface="+mn-cs"/>
+              </a:defRPr>
+            </a:lvl8pPr>
+            <a:lvl9pPr marL="3886200" indent="-228600" algn="l" defTabSz="914400" rtl="0" eaLnBrk="1" latinLnBrk="0" hangingPunct="1">
+              <a:lnSpc>
+                <a:spcPct val="90000"/>
+              </a:lnSpc>
+              <a:spcBef>
+                <a:spcPts val="500"/>
+              </a:spcBef>
+              <a:buFont typeface="Arial" panose="020B0604020202020204" pitchFamily="34" charset="0"/>
+              <a:buChar char="•"/>
+              <a:defRPr sz="1800" kern="1200">
+                <a:solidFill>
+                  <a:schemeClr val="tx1"/>
+                </a:solidFill>
+                <a:latin typeface="+mn-lt"/>
+                <a:ea typeface="+mn-ea"/>
+                <a:cs typeface="+mn-cs"/>
+              </a:defRPr>
+            </a:lvl9pPr>
+          </a:lstStyle>
           <a:p>
             <a:r>
-              <a:rPr lang="en-CO" dirty="0"/>
+              <a:rPr lang="en-CO" sz="2400" dirty="0"/>
               <a:t>Model 2 performed better than model 1 by adding more neurons to each layer and including a linear activation in the output layer.</a:t>
             </a:r>
           </a:p>
           <a:p>
-            <a:endParaRPr lang="en-CO" dirty="0"/>
+            <a:endParaRPr lang="en-CO" sz="2400" dirty="0"/>
           </a:p>
           <a:p>
             <a:r>
-              <a:rPr lang="en-CO" dirty="0"/>
+              <a:rPr lang="en-CO" sz="2400" dirty="0"/>
               <a:t>In general, Neural Network model performs as good as other models.</a:t>
             </a:r>
           </a:p>
           <a:p>
-            <a:endParaRPr lang="en-CO" dirty="0"/>
+            <a:endParaRPr lang="en-CO" sz="2400" dirty="0"/>
           </a:p>
           <a:p>
             <a:r>
-              <a:rPr lang="en-US" dirty="0"/>
+              <a:rPr lang="en-US" sz="2400" dirty="0"/>
               <a:t>Neural Network did not allow us to see the ranking feature. This kind of models are more complex to interpret than others. </a:t>
             </a:r>
-            <a:endParaRPr lang="en-CO" dirty="0"/>
+            <a:endParaRPr lang="en-CO" sz="2400" dirty="0"/>
           </a:p>
         </p:txBody>
       </p:sp>
     </p:spTree>
     <p:extLst>
       <p:ext uri="{BB962C8B-B14F-4D97-AF65-F5344CB8AC3E}">
-        <p14:creationId xmlns:p14="http://schemas.microsoft.com/office/powerpoint/2010/main" val="461733831"/>
+        <p14:creationId xmlns:p14="http://schemas.microsoft.com/office/powerpoint/2010/main" val="3954679486"/>
       </p:ext>
     </p:extLst>
   </p:cSld>
@@ -15463,8 +16816,8 @@
           </a:p>
         </p:txBody>
       </p:sp>
-      <mc:AlternateContent xmlns:mc="http://schemas.openxmlformats.org/markup-compatibility/2006">
-        <mc:Choice xmlns:p14="http://schemas.microsoft.com/office/powerpoint/2010/main" Requires="p14">
+      <mc:AlternateContent xmlns:mc="http://schemas.openxmlformats.org/markup-compatibility/2006" xmlns:p14="http://schemas.microsoft.com/office/powerpoint/2010/main">
+        <mc:Choice Requires="p14">
           <p:contentPart p14:bwMode="auto" r:id="rId3">
             <p14:nvContentPartPr>
               <p14:cNvPr id="11" name="Ink 10">
@@ -15483,7 +16836,7 @@
             </p14:xfrm>
           </p:contentPart>
         </mc:Choice>
-        <mc:Fallback>
+        <mc:Fallback xmlns="">
           <p:pic>
             <p:nvPicPr>
               <p:cNvPr id="11" name="Ink 10">
@@ -15514,8 +16867,8 @@
           </p:pic>
         </mc:Fallback>
       </mc:AlternateContent>
-      <mc:AlternateContent xmlns:mc="http://schemas.openxmlformats.org/markup-compatibility/2006">
-        <mc:Choice xmlns:p14="http://schemas.microsoft.com/office/powerpoint/2010/main" Requires="p14">
+      <mc:AlternateContent xmlns:mc="http://schemas.openxmlformats.org/markup-compatibility/2006" xmlns:p14="http://schemas.microsoft.com/office/powerpoint/2010/main">
+        <mc:Choice Requires="p14">
           <p:contentPart p14:bwMode="auto" r:id="rId5">
             <p14:nvContentPartPr>
               <p14:cNvPr id="12" name="Ink 11">
@@ -15534,7 +16887,7 @@
             </p14:xfrm>
           </p:contentPart>
         </mc:Choice>
-        <mc:Fallback>
+        <mc:Fallback xmlns="">
           <p:pic>
             <p:nvPicPr>
               <p:cNvPr id="12" name="Ink 11">
@@ -15565,8 +16918,8 @@
           </p:pic>
         </mc:Fallback>
       </mc:AlternateContent>
-      <mc:AlternateContent xmlns:mc="http://schemas.openxmlformats.org/markup-compatibility/2006">
-        <mc:Choice xmlns:p14="http://schemas.microsoft.com/office/powerpoint/2010/main" Requires="p14">
+      <mc:AlternateContent xmlns:mc="http://schemas.openxmlformats.org/markup-compatibility/2006" xmlns:p14="http://schemas.microsoft.com/office/powerpoint/2010/main">
+        <mc:Choice Requires="p14">
           <p:contentPart p14:bwMode="auto" r:id="rId7">
             <p14:nvContentPartPr>
               <p14:cNvPr id="13" name="Ink 12">
@@ -15585,7 +16938,7 @@
             </p14:xfrm>
           </p:contentPart>
         </mc:Choice>
-        <mc:Fallback>
+        <mc:Fallback xmlns="">
           <p:pic>
             <p:nvPicPr>
               <p:cNvPr id="13" name="Ink 12">
@@ -15616,8 +16969,8 @@
           </p:pic>
         </mc:Fallback>
       </mc:AlternateContent>
-      <mc:AlternateContent xmlns:mc="http://schemas.openxmlformats.org/markup-compatibility/2006">
-        <mc:Choice xmlns:p14="http://schemas.microsoft.com/office/powerpoint/2010/main" Requires="p14">
+      <mc:AlternateContent xmlns:mc="http://schemas.openxmlformats.org/markup-compatibility/2006" xmlns:p14="http://schemas.microsoft.com/office/powerpoint/2010/main">
+        <mc:Choice Requires="p14">
           <p:contentPart p14:bwMode="auto" r:id="rId9">
             <p14:nvContentPartPr>
               <p14:cNvPr id="14" name="Ink 13">
@@ -15636,7 +16989,7 @@
             </p14:xfrm>
           </p:contentPart>
         </mc:Choice>
-        <mc:Fallback>
+        <mc:Fallback xmlns="">
           <p:pic>
             <p:nvPicPr>
               <p:cNvPr id="14" name="Ink 13">
@@ -15667,8 +17020,8 @@
           </p:pic>
         </mc:Fallback>
       </mc:AlternateContent>
-      <mc:AlternateContent xmlns:mc="http://schemas.openxmlformats.org/markup-compatibility/2006">
-        <mc:Choice xmlns:p14="http://schemas.microsoft.com/office/powerpoint/2010/main" Requires="p14">
+      <mc:AlternateContent xmlns:mc="http://schemas.openxmlformats.org/markup-compatibility/2006" xmlns:p14="http://schemas.microsoft.com/office/powerpoint/2010/main">
+        <mc:Choice Requires="p14">
           <p:contentPart p14:bwMode="auto" r:id="rId11">
             <p14:nvContentPartPr>
               <p14:cNvPr id="15" name="Ink 14">
@@ -15687,7 +17040,7 @@
             </p14:xfrm>
           </p:contentPart>
         </mc:Choice>
-        <mc:Fallback>
+        <mc:Fallback xmlns="">
           <p:pic>
             <p:nvPicPr>
               <p:cNvPr id="15" name="Ink 14">
@@ -15718,8 +17071,8 @@
           </p:pic>
         </mc:Fallback>
       </mc:AlternateContent>
-      <mc:AlternateContent xmlns:mc="http://schemas.openxmlformats.org/markup-compatibility/2006">
-        <mc:Choice xmlns:p14="http://schemas.microsoft.com/office/powerpoint/2010/main" Requires="p14">
+      <mc:AlternateContent xmlns:mc="http://schemas.openxmlformats.org/markup-compatibility/2006" xmlns:p14="http://schemas.microsoft.com/office/powerpoint/2010/main">
+        <mc:Choice Requires="p14">
           <p:contentPart p14:bwMode="auto" r:id="rId13">
             <p14:nvContentPartPr>
               <p14:cNvPr id="85" name="Ink 84">
@@ -15738,7 +17091,7 @@
             </p14:xfrm>
           </p:contentPart>
         </mc:Choice>
-        <mc:Fallback>
+        <mc:Fallback xmlns="">
           <p:pic>
             <p:nvPicPr>
               <p:cNvPr id="85" name="Ink 84">

--- a/deep-learning/rental-airbnb/boston_ppt.pptx
+++ b/deep-learning/rental-airbnb/boston_ppt.pptx
@@ -5,7 +5,7 @@
     <p:sldMasterId id="2147483752" r:id="rId1"/>
   </p:sldMasterIdLst>
   <p:notesMasterIdLst>
-    <p:notesMasterId r:id="rId19"/>
+    <p:notesMasterId r:id="rId20"/>
   </p:notesMasterIdLst>
   <p:sldIdLst>
     <p:sldId id="256" r:id="rId2"/>
@@ -16,15 +16,16 @@
     <p:sldId id="276" r:id="rId7"/>
     <p:sldId id="261" r:id="rId8"/>
     <p:sldId id="270" r:id="rId9"/>
-    <p:sldId id="277" r:id="rId10"/>
-    <p:sldId id="278" r:id="rId11"/>
-    <p:sldId id="279" r:id="rId12"/>
-    <p:sldId id="268" r:id="rId13"/>
-    <p:sldId id="269" r:id="rId14"/>
-    <p:sldId id="272" r:id="rId15"/>
-    <p:sldId id="273" r:id="rId16"/>
-    <p:sldId id="274" r:id="rId17"/>
-    <p:sldId id="275" r:id="rId18"/>
+    <p:sldId id="282" r:id="rId10"/>
+    <p:sldId id="277" r:id="rId11"/>
+    <p:sldId id="278" r:id="rId12"/>
+    <p:sldId id="279" r:id="rId13"/>
+    <p:sldId id="268" r:id="rId14"/>
+    <p:sldId id="269" r:id="rId15"/>
+    <p:sldId id="272" r:id="rId16"/>
+    <p:sldId id="273" r:id="rId17"/>
+    <p:sldId id="274" r:id="rId18"/>
+    <p:sldId id="275" r:id="rId19"/>
   </p:sldIdLst>
   <p:sldSz cx="12192000" cy="6858000"/>
   <p:notesSz cx="6858000" cy="9144000"/>
@@ -5177,6 +5178,1076 @@
       </p:grpSp>
       <p:sp>
         <p:nvSpPr>
+          <p:cNvPr id="17" name="Title 1">
+            <a:extLst>
+              <a:ext uri="{FF2B5EF4-FFF2-40B4-BE49-F238E27FC236}">
+                <a16:creationId xmlns:a16="http://schemas.microsoft.com/office/drawing/2014/main" id="{A4356498-1433-2747-8431-16F7A6A01B5A}"/>
+              </a:ext>
+            </a:extLst>
+          </p:cNvPr>
+          <p:cNvSpPr txBox="1">
+            <a:spLocks/>
+          </p:cNvSpPr>
+          <p:nvPr/>
+        </p:nvSpPr>
+        <p:spPr>
+          <a:xfrm>
+            <a:off x="643467" y="321734"/>
+            <a:ext cx="10905066" cy="1135737"/>
+          </a:xfrm>
+          <a:prstGeom prst="rect">
+            <a:avLst/>
+          </a:prstGeom>
+        </p:spPr>
+        <p:txBody>
+          <a:bodyPr vert="horz" lIns="91440" tIns="45720" rIns="91440" bIns="45720" rtlCol="0" anchor="ctr">
+            <a:normAutofit/>
+          </a:bodyPr>
+          <a:lstStyle>
+            <a:lvl1pPr algn="l" defTabSz="914400" rtl="0" eaLnBrk="1" latinLnBrk="0" hangingPunct="1">
+              <a:lnSpc>
+                <a:spcPct val="90000"/>
+              </a:lnSpc>
+              <a:spcBef>
+                <a:spcPct val="0"/>
+              </a:spcBef>
+              <a:buNone/>
+              <a:defRPr sz="4400" kern="1200">
+                <a:solidFill>
+                  <a:schemeClr val="tx1"/>
+                </a:solidFill>
+                <a:latin typeface="+mj-lt"/>
+                <a:ea typeface="+mj-ea"/>
+                <a:cs typeface="+mj-cs"/>
+              </a:defRPr>
+            </a:lvl1pPr>
+          </a:lstStyle>
+          <a:p>
+            <a:r>
+              <a:rPr lang="en-US" sz="3600"/>
+              <a:t>Modeling</a:t>
+            </a:r>
+            <a:endParaRPr lang="en-US" sz="3600" dirty="0"/>
+          </a:p>
+        </p:txBody>
+      </p:sp>
+      <p:sp>
+        <p:nvSpPr>
+          <p:cNvPr id="18" name="Content Placeholder 2">
+            <a:extLst>
+              <a:ext uri="{FF2B5EF4-FFF2-40B4-BE49-F238E27FC236}">
+                <a16:creationId xmlns:a16="http://schemas.microsoft.com/office/drawing/2014/main" id="{1543E20E-ED9D-604E-A00D-AF64FC3DB9B9}"/>
+              </a:ext>
+            </a:extLst>
+          </p:cNvPr>
+          <p:cNvSpPr>
+            <a:spLocks noGrp="1"/>
+          </p:cNvSpPr>
+          <p:nvPr>
+            <p:ph idx="1"/>
+          </p:nvPr>
+        </p:nvSpPr>
+        <p:spPr>
+          <a:xfrm>
+            <a:off x="643467" y="992026"/>
+            <a:ext cx="4008384" cy="473522"/>
+          </a:xfrm>
+        </p:spPr>
+        <p:txBody>
+          <a:bodyPr vert="horz" lIns="91440" tIns="45720" rIns="91440" bIns="45720" rtlCol="0">
+            <a:normAutofit fontScale="92500"/>
+          </a:bodyPr>
+          <a:lstStyle/>
+          <a:p>
+            <a:pPr marL="0" indent="0">
+              <a:buNone/>
+            </a:pPr>
+            <a:r>
+              <a:rPr lang="en-US" sz="2000" kern="1200" dirty="0">
+                <a:latin typeface="+mn-lt"/>
+                <a:ea typeface="+mn-ea"/>
+                <a:cs typeface="+mn-cs"/>
+              </a:rPr>
+              <a:t>Predictions - </a:t>
+            </a:r>
+            <a:r>
+              <a:rPr lang="en-CO" sz="2000" dirty="0"/>
+              <a:t>Neural Network Model 2 </a:t>
+            </a:r>
+          </a:p>
+          <a:p>
+            <a:pPr marL="0" indent="0">
+              <a:buNone/>
+            </a:pPr>
+            <a:endParaRPr lang="en-US" sz="2000" kern="1200" dirty="0">
+              <a:latin typeface="+mn-lt"/>
+              <a:ea typeface="+mn-ea"/>
+              <a:cs typeface="+mn-cs"/>
+            </a:endParaRPr>
+          </a:p>
+        </p:txBody>
+      </p:sp>
+      <p:graphicFrame>
+        <p:nvGraphicFramePr>
+          <p:cNvPr id="19" name="Table 11">
+            <a:extLst>
+              <a:ext uri="{FF2B5EF4-FFF2-40B4-BE49-F238E27FC236}">
+                <a16:creationId xmlns:a16="http://schemas.microsoft.com/office/drawing/2014/main" id="{13DA2DED-7463-4F40-AA80-5BD8DC1CB7EA}"/>
+              </a:ext>
+            </a:extLst>
+          </p:cNvPr>
+          <p:cNvGraphicFramePr>
+            <a:graphicFrameLocks noGrp="1"/>
+          </p:cNvGraphicFramePr>
+          <p:nvPr>
+            <p:extLst>
+              <p:ext uri="{D42A27DB-BD31-4B8C-83A1-F6EECF244321}">
+                <p14:modId xmlns:p14="http://schemas.microsoft.com/office/powerpoint/2010/main" val="3584815518"/>
+              </p:ext>
+            </p:extLst>
+          </p:nvPr>
+        </p:nvGraphicFramePr>
+        <p:xfrm>
+          <a:off x="2032000" y="2316480"/>
+          <a:ext cx="8127999" cy="2225040"/>
+        </p:xfrm>
+        <a:graphic>
+          <a:graphicData uri="http://schemas.openxmlformats.org/drawingml/2006/table">
+            <a:tbl>
+              <a:tblPr firstRow="1" bandRow="1">
+                <a:tableStyleId>{3B4B98B0-60AC-42C2-AFA5-B58CD77FA1E5}</a:tableStyleId>
+              </a:tblPr>
+              <a:tblGrid>
+                <a:gridCol w="2709333">
+                  <a:extLst>
+                    <a:ext uri="{9D8B030D-6E8A-4147-A177-3AD203B41FA5}">
+                      <a16:colId xmlns:a16="http://schemas.microsoft.com/office/drawing/2014/main" val="916724625"/>
+                    </a:ext>
+                  </a:extLst>
+                </a:gridCol>
+                <a:gridCol w="2709333">
+                  <a:extLst>
+                    <a:ext uri="{9D8B030D-6E8A-4147-A177-3AD203B41FA5}">
+                      <a16:colId xmlns:a16="http://schemas.microsoft.com/office/drawing/2014/main" val="3940866557"/>
+                    </a:ext>
+                  </a:extLst>
+                </a:gridCol>
+                <a:gridCol w="2709333">
+                  <a:extLst>
+                    <a:ext uri="{9D8B030D-6E8A-4147-A177-3AD203B41FA5}">
+                      <a16:colId xmlns:a16="http://schemas.microsoft.com/office/drawing/2014/main" val="1054785922"/>
+                    </a:ext>
+                  </a:extLst>
+                </a:gridCol>
+              </a:tblGrid>
+              <a:tr h="370840">
+                <a:tc>
+                  <a:txBody>
+                    <a:bodyPr/>
+                    <a:lstStyle/>
+                    <a:p>
+                      <a:pPr algn="ctr"/>
+                      <a:r>
+                        <a:rPr lang="en-CO" dirty="0"/>
+                        <a:t>Real ($)</a:t>
+                      </a:r>
+                    </a:p>
+                  </a:txBody>
+                  <a:tcPr/>
+                </a:tc>
+                <a:tc>
+                  <a:txBody>
+                    <a:bodyPr/>
+                    <a:lstStyle/>
+                    <a:p>
+                      <a:pPr algn="ctr"/>
+                      <a:r>
+                        <a:rPr lang="en-CO" dirty="0"/>
+                        <a:t>Predicted ($) in 1970</a:t>
+                      </a:r>
+                    </a:p>
+                  </a:txBody>
+                  <a:tcPr/>
+                </a:tc>
+                <a:tc>
+                  <a:txBody>
+                    <a:bodyPr/>
+                    <a:lstStyle/>
+                    <a:p>
+                      <a:pPr marL="0" marR="0" lvl="0" indent="0" algn="ctr" defTabSz="914400" rtl="0" eaLnBrk="1" fontAlgn="auto" latinLnBrk="0" hangingPunct="1">
+                        <a:lnSpc>
+                          <a:spcPct val="100000"/>
+                        </a:lnSpc>
+                        <a:spcBef>
+                          <a:spcPts val="0"/>
+                        </a:spcBef>
+                        <a:spcAft>
+                          <a:spcPts val="0"/>
+                        </a:spcAft>
+                        <a:buClrTx/>
+                        <a:buSzTx/>
+                        <a:buFontTx/>
+                        <a:buNone/>
+                        <a:tabLst/>
+                        <a:defRPr/>
+                      </a:pPr>
+                      <a:r>
+                        <a:rPr lang="en-CO" dirty="0"/>
+                        <a:t>Predicted ($) in 2022</a:t>
+                      </a:r>
+                    </a:p>
+                  </a:txBody>
+                  <a:tcPr/>
+                </a:tc>
+                <a:extLst>
+                  <a:ext uri="{0D108BD9-81ED-4DB2-BD59-A6C34878D82A}">
+                    <a16:rowId xmlns:a16="http://schemas.microsoft.com/office/drawing/2014/main" val="1558068737"/>
+                  </a:ext>
+                </a:extLst>
+              </a:tr>
+              <a:tr h="370840">
+                <a:tc>
+                  <a:txBody>
+                    <a:bodyPr/>
+                    <a:lstStyle/>
+                    <a:p>
+                      <a:pPr algn="ctr"/>
+                      <a:r>
+                        <a:rPr lang="en-CO" dirty="0"/>
+                        <a:t>21.2</a:t>
+                      </a:r>
+                    </a:p>
+                  </a:txBody>
+                  <a:tcPr/>
+                </a:tc>
+                <a:tc>
+                  <a:txBody>
+                    <a:bodyPr/>
+                    <a:lstStyle/>
+                    <a:p>
+                      <a:pPr algn="ctr"/>
+                      <a:r>
+                        <a:rPr lang="en-CO" sz="1800" b="0" i="0" kern="1200" dirty="0">
+                          <a:solidFill>
+                            <a:schemeClr val="tx1"/>
+                          </a:solidFill>
+                          <a:effectLst/>
+                          <a:latin typeface="+mn-lt"/>
+                          <a:ea typeface="+mn-ea"/>
+                          <a:cs typeface="+mn-cs"/>
+                        </a:rPr>
+                        <a:t>18.51</a:t>
+                      </a:r>
+                      <a:endParaRPr lang="en-CO" dirty="0"/>
+                    </a:p>
+                  </a:txBody>
+                  <a:tcPr/>
+                </a:tc>
+                <a:tc>
+                  <a:txBody>
+                    <a:bodyPr/>
+                    <a:lstStyle/>
+                    <a:p>
+                      <a:pPr algn="ctr"/>
+                      <a:r>
+                        <a:rPr lang="en-CO" dirty="0"/>
+                        <a:t>152,335</a:t>
+                      </a:r>
+                    </a:p>
+                  </a:txBody>
+                  <a:tcPr/>
+                </a:tc>
+                <a:extLst>
+                  <a:ext uri="{0D108BD9-81ED-4DB2-BD59-A6C34878D82A}">
+                    <a16:rowId xmlns:a16="http://schemas.microsoft.com/office/drawing/2014/main" val="3687893617"/>
+                  </a:ext>
+                </a:extLst>
+              </a:tr>
+              <a:tr h="370840">
+                <a:tc>
+                  <a:txBody>
+                    <a:bodyPr/>
+                    <a:lstStyle/>
+                    <a:p>
+                      <a:pPr algn="ctr"/>
+                      <a:r>
+                        <a:rPr lang="en-CO" sz="1800" b="0" i="0" kern="1200" dirty="0">
+                          <a:solidFill>
+                            <a:schemeClr val="tx1"/>
+                          </a:solidFill>
+                          <a:effectLst/>
+                          <a:latin typeface="+mn-lt"/>
+                          <a:ea typeface="+mn-ea"/>
+                          <a:cs typeface="+mn-cs"/>
+                        </a:rPr>
+                        <a:t>20.6</a:t>
+                      </a:r>
+                      <a:endParaRPr lang="en-CO" dirty="0"/>
+                    </a:p>
+                  </a:txBody>
+                  <a:tcPr/>
+                </a:tc>
+                <a:tc>
+                  <a:txBody>
+                    <a:bodyPr/>
+                    <a:lstStyle/>
+                    <a:p>
+                      <a:pPr algn="ctr"/>
+                      <a:r>
+                        <a:rPr lang="en-CO" sz="1800" b="0" i="0" kern="1200" dirty="0">
+                          <a:solidFill>
+                            <a:schemeClr val="tx1"/>
+                          </a:solidFill>
+                          <a:effectLst/>
+                          <a:latin typeface="+mn-lt"/>
+                          <a:ea typeface="+mn-ea"/>
+                          <a:cs typeface="+mn-cs"/>
+                        </a:rPr>
+                        <a:t>20.62</a:t>
+                      </a:r>
+                      <a:endParaRPr lang="en-CO" dirty="0"/>
+                    </a:p>
+                  </a:txBody>
+                  <a:tcPr/>
+                </a:tc>
+                <a:tc>
+                  <a:txBody>
+                    <a:bodyPr/>
+                    <a:lstStyle/>
+                    <a:p>
+                      <a:pPr algn="ctr"/>
+                      <a:r>
+                        <a:rPr lang="en-CO" dirty="0"/>
+                        <a:t>148,023</a:t>
+                      </a:r>
+                    </a:p>
+                  </a:txBody>
+                  <a:tcPr/>
+                </a:tc>
+                <a:extLst>
+                  <a:ext uri="{0D108BD9-81ED-4DB2-BD59-A6C34878D82A}">
+                    <a16:rowId xmlns:a16="http://schemas.microsoft.com/office/drawing/2014/main" val="1392976245"/>
+                  </a:ext>
+                </a:extLst>
+              </a:tr>
+              <a:tr h="370840">
+                <a:tc>
+                  <a:txBody>
+                    <a:bodyPr/>
+                    <a:lstStyle/>
+                    <a:p>
+                      <a:pPr algn="ctr"/>
+                      <a:r>
+                        <a:rPr lang="en-CO" sz="1800" b="0" i="0" kern="1200" dirty="0">
+                          <a:solidFill>
+                            <a:schemeClr val="tx1"/>
+                          </a:solidFill>
+                          <a:effectLst/>
+                          <a:latin typeface="+mn-lt"/>
+                          <a:ea typeface="+mn-ea"/>
+                          <a:cs typeface="+mn-cs"/>
+                        </a:rPr>
+                        <a:t>21.5</a:t>
+                      </a:r>
+                      <a:endParaRPr lang="en-CO" dirty="0"/>
+                    </a:p>
+                  </a:txBody>
+                  <a:tcPr/>
+                </a:tc>
+                <a:tc>
+                  <a:txBody>
+                    <a:bodyPr/>
+                    <a:lstStyle/>
+                    <a:p>
+                      <a:pPr algn="ctr"/>
+                      <a:r>
+                        <a:rPr lang="en-CO" sz="1800" b="0" i="0" kern="1200" dirty="0">
+                          <a:solidFill>
+                            <a:schemeClr val="tx1"/>
+                          </a:solidFill>
+                          <a:effectLst/>
+                          <a:latin typeface="+mn-lt"/>
+                          <a:ea typeface="+mn-ea"/>
+                          <a:cs typeface="+mn-cs"/>
+                        </a:rPr>
+                        <a:t>20.94</a:t>
+                      </a:r>
+                      <a:endParaRPr lang="en-CO" dirty="0"/>
+                    </a:p>
+                  </a:txBody>
+                  <a:tcPr/>
+                </a:tc>
+                <a:tc>
+                  <a:txBody>
+                    <a:bodyPr/>
+                    <a:lstStyle/>
+                    <a:p>
+                      <a:pPr algn="ctr"/>
+                      <a:r>
+                        <a:rPr lang="en-CO" dirty="0"/>
+                        <a:t>154,490</a:t>
+                      </a:r>
+                    </a:p>
+                  </a:txBody>
+                  <a:tcPr/>
+                </a:tc>
+                <a:extLst>
+                  <a:ext uri="{0D108BD9-81ED-4DB2-BD59-A6C34878D82A}">
+                    <a16:rowId xmlns:a16="http://schemas.microsoft.com/office/drawing/2014/main" val="3323869999"/>
+                  </a:ext>
+                </a:extLst>
+              </a:tr>
+              <a:tr h="370840">
+                <a:tc>
+                  <a:txBody>
+                    <a:bodyPr/>
+                    <a:lstStyle/>
+                    <a:p>
+                      <a:pPr algn="ctr"/>
+                      <a:r>
+                        <a:rPr lang="en-CO" dirty="0"/>
+                        <a:t>21.7</a:t>
+                      </a:r>
+                    </a:p>
+                  </a:txBody>
+                  <a:tcPr/>
+                </a:tc>
+                <a:tc>
+                  <a:txBody>
+                    <a:bodyPr/>
+                    <a:lstStyle/>
+                    <a:p>
+                      <a:pPr algn="ctr"/>
+                      <a:r>
+                        <a:rPr lang="en-CO" sz="1800" b="0" i="0" kern="1200" dirty="0">
+                          <a:solidFill>
+                            <a:schemeClr val="tx1"/>
+                          </a:solidFill>
+                          <a:effectLst/>
+                          <a:latin typeface="+mn-lt"/>
+                          <a:ea typeface="+mn-ea"/>
+                          <a:cs typeface="+mn-cs"/>
+                        </a:rPr>
+                        <a:t>21.00</a:t>
+                      </a:r>
+                      <a:endParaRPr lang="en-CO" dirty="0"/>
+                    </a:p>
+                  </a:txBody>
+                  <a:tcPr/>
+                </a:tc>
+                <a:tc>
+                  <a:txBody>
+                    <a:bodyPr/>
+                    <a:lstStyle/>
+                    <a:p>
+                      <a:pPr algn="ctr"/>
+                      <a:r>
+                        <a:rPr lang="en-CO" dirty="0"/>
+                        <a:t>155,927</a:t>
+                      </a:r>
+                    </a:p>
+                  </a:txBody>
+                  <a:tcPr/>
+                </a:tc>
+                <a:extLst>
+                  <a:ext uri="{0D108BD9-81ED-4DB2-BD59-A6C34878D82A}">
+                    <a16:rowId xmlns:a16="http://schemas.microsoft.com/office/drawing/2014/main" val="671105089"/>
+                  </a:ext>
+                </a:extLst>
+              </a:tr>
+              <a:tr h="370840">
+                <a:tc>
+                  <a:txBody>
+                    <a:bodyPr/>
+                    <a:lstStyle/>
+                    <a:p>
+                      <a:pPr algn="ctr"/>
+                      <a:r>
+                        <a:rPr lang="en-CO" dirty="0"/>
+                        <a:t>13.4</a:t>
+                      </a:r>
+                    </a:p>
+                  </a:txBody>
+                  <a:tcPr/>
+                </a:tc>
+                <a:tc>
+                  <a:txBody>
+                    <a:bodyPr/>
+                    <a:lstStyle/>
+                    <a:p>
+                      <a:pPr algn="ctr"/>
+                      <a:r>
+                        <a:rPr lang="en-CO" sz="1800" b="0" i="0" kern="1200" dirty="0">
+                          <a:solidFill>
+                            <a:schemeClr val="tx1"/>
+                          </a:solidFill>
+                          <a:effectLst/>
+                          <a:latin typeface="+mn-lt"/>
+                          <a:ea typeface="+mn-ea"/>
+                          <a:cs typeface="+mn-cs"/>
+                        </a:rPr>
+                        <a:t>12.63</a:t>
+                      </a:r>
+                      <a:endParaRPr lang="en-CO" dirty="0"/>
+                    </a:p>
+                  </a:txBody>
+                  <a:tcPr/>
+                </a:tc>
+                <a:tc>
+                  <a:txBody>
+                    <a:bodyPr/>
+                    <a:lstStyle/>
+                    <a:p>
+                      <a:pPr algn="ctr"/>
+                      <a:r>
+                        <a:rPr lang="en-CO" sz="1800" b="0" i="0" kern="1200" dirty="0">
+                          <a:solidFill>
+                            <a:schemeClr val="tx1"/>
+                          </a:solidFill>
+                          <a:effectLst/>
+                          <a:latin typeface="+mn-lt"/>
+                          <a:ea typeface="+mn-ea"/>
+                          <a:cs typeface="+mn-cs"/>
+                        </a:rPr>
+                        <a:t>96,287</a:t>
+                      </a:r>
+                      <a:endParaRPr lang="en-CO" dirty="0"/>
+                    </a:p>
+                  </a:txBody>
+                  <a:tcPr/>
+                </a:tc>
+                <a:extLst>
+                  <a:ext uri="{0D108BD9-81ED-4DB2-BD59-A6C34878D82A}">
+                    <a16:rowId xmlns:a16="http://schemas.microsoft.com/office/drawing/2014/main" val="2233330235"/>
+                  </a:ext>
+                </a:extLst>
+              </a:tr>
+            </a:tbl>
+          </a:graphicData>
+        </a:graphic>
+      </p:graphicFrame>
+      <p:sp>
+        <p:nvSpPr>
+          <p:cNvPr id="20" name="TextBox 19">
+            <a:extLst>
+              <a:ext uri="{FF2B5EF4-FFF2-40B4-BE49-F238E27FC236}">
+                <a16:creationId xmlns:a16="http://schemas.microsoft.com/office/drawing/2014/main" id="{50C669AA-E8F7-1442-93C7-CCB7038036BD}"/>
+              </a:ext>
+            </a:extLst>
+          </p:cNvPr>
+          <p:cNvSpPr txBox="1"/>
+          <p:nvPr/>
+        </p:nvSpPr>
+        <p:spPr>
+          <a:xfrm>
+            <a:off x="5676173" y="1947148"/>
+            <a:ext cx="839653" cy="369332"/>
+          </a:xfrm>
+          <a:prstGeom prst="rect">
+            <a:avLst/>
+          </a:prstGeom>
+          <a:noFill/>
+        </p:spPr>
+        <p:txBody>
+          <a:bodyPr wrap="none" rtlCol="0">
+            <a:spAutoFit/>
+          </a:bodyPr>
+          <a:lstStyle/>
+          <a:p>
+            <a:r>
+              <a:rPr lang="en-CO" b="1" dirty="0"/>
+              <a:t>PRICES</a:t>
+            </a:r>
+          </a:p>
+        </p:txBody>
+      </p:sp>
+      <p:sp>
+        <p:nvSpPr>
+          <p:cNvPr id="21" name="Rectangle 20">
+            <a:extLst>
+              <a:ext uri="{FF2B5EF4-FFF2-40B4-BE49-F238E27FC236}">
+                <a16:creationId xmlns:a16="http://schemas.microsoft.com/office/drawing/2014/main" id="{BCB161C3-DEDB-C74A-BFEE-DD95CBE794AB}"/>
+              </a:ext>
+            </a:extLst>
+          </p:cNvPr>
+          <p:cNvSpPr/>
+          <p:nvPr/>
+        </p:nvSpPr>
+        <p:spPr>
+          <a:xfrm>
+            <a:off x="1986770" y="4772352"/>
+            <a:ext cx="10205230" cy="276999"/>
+          </a:xfrm>
+          <a:prstGeom prst="rect">
+            <a:avLst/>
+          </a:prstGeom>
+        </p:spPr>
+        <p:txBody>
+          <a:bodyPr wrap="square">
+            <a:spAutoFit/>
+          </a:bodyPr>
+          <a:lstStyle/>
+          <a:p>
+            <a:r>
+              <a:rPr lang="en-US" sz="1200" dirty="0"/>
+              <a:t>* 5 different houses from the test dataset</a:t>
+            </a:r>
+            <a:endParaRPr lang="en-CO" sz="1200" dirty="0"/>
+          </a:p>
+        </p:txBody>
+      </p:sp>
+      <p:sp>
+        <p:nvSpPr>
+          <p:cNvPr id="2" name="Slide Number Placeholder 1">
+            <a:extLst>
+              <a:ext uri="{FF2B5EF4-FFF2-40B4-BE49-F238E27FC236}">
+                <a16:creationId xmlns:a16="http://schemas.microsoft.com/office/drawing/2014/main" id="{98CD02C0-A136-4044-A51D-B3B6ADB2AF2A}"/>
+              </a:ext>
+            </a:extLst>
+          </p:cNvPr>
+          <p:cNvSpPr>
+            <a:spLocks noGrp="1"/>
+          </p:cNvSpPr>
+          <p:nvPr>
+            <p:ph type="sldNum" sz="quarter" idx="12"/>
+          </p:nvPr>
+        </p:nvSpPr>
+        <p:spPr/>
+        <p:txBody>
+          <a:bodyPr/>
+          <a:lstStyle/>
+          <a:p>
+            <a:fld id="{70C38C08-47C7-4847-B0BE-B9D8DEEB3D1B}" type="slidenum">
+              <a:rPr lang="en-US" smtClean="0"/>
+              <a:t>10</a:t>
+            </a:fld>
+            <a:endParaRPr lang="en-US"/>
+          </a:p>
+        </p:txBody>
+      </p:sp>
+    </p:spTree>
+    <p:extLst>
+      <p:ext uri="{BB962C8B-B14F-4D97-AF65-F5344CB8AC3E}">
+        <p14:creationId xmlns:p14="http://schemas.microsoft.com/office/powerpoint/2010/main" val="266424760"/>
+      </p:ext>
+    </p:extLst>
+  </p:cSld>
+  <p:clrMapOvr>
+    <a:masterClrMapping/>
+  </p:clrMapOvr>
+</p:sld>
+</file>
+
+<file path=ppt/slides/slide11.xml><?xml version="1.0" encoding="utf-8"?>
+<p:sld xmlns:a="http://schemas.openxmlformats.org/drawingml/2006/main" xmlns:r="http://schemas.openxmlformats.org/officeDocument/2006/relationships" xmlns:p="http://schemas.openxmlformats.org/presentationml/2006/main">
+  <p:cSld>
+    <p:bg>
+      <p:bgPr>
+        <a:solidFill>
+          <a:schemeClr val="bg1"/>
+        </a:solidFill>
+        <a:effectLst/>
+      </p:bgPr>
+    </p:bg>
+    <p:spTree>
+      <p:nvGrpSpPr>
+        <p:cNvPr id="1" name=""/>
+        <p:cNvGrpSpPr/>
+        <p:nvPr/>
+      </p:nvGrpSpPr>
+      <p:grpSpPr>
+        <a:xfrm>
+          <a:off x="0" y="0"/>
+          <a:ext cx="0" cy="0"/>
+          <a:chOff x="0" y="0"/>
+          <a:chExt cx="0" cy="0"/>
+        </a:xfrm>
+      </p:grpSpPr>
+      <p:sp>
+        <p:nvSpPr>
+          <p:cNvPr id="22" name="Rectangle 21">
+            <a:extLst>
+              <a:ext uri="{FF2B5EF4-FFF2-40B4-BE49-F238E27FC236}">
+                <a16:creationId xmlns:a16="http://schemas.microsoft.com/office/drawing/2014/main" id="{2B566528-1B12-4246-9431-5C2D7D081168}"/>
+              </a:ext>
+              <a:ext uri="{C183D7F6-B498-43B3-948B-1728B52AA6E4}">
+                <adec:decorative xmlns:adec="http://schemas.microsoft.com/office/drawing/2017/decorative" val="1"/>
+              </a:ext>
+            </a:extLst>
+          </p:cNvPr>
+          <p:cNvSpPr>
+            <a:spLocks noGrp="1" noRot="1" noChangeAspect="1" noMove="1" noResize="1" noEditPoints="1" noAdjustHandles="1" noChangeArrowheads="1" noChangeShapeType="1" noTextEdit="1"/>
+          </p:cNvSpPr>
+          <p:nvPr>
+            <p:extLst>
+              <p:ext uri="{386F3935-93C4-4BCD-93E2-E3B085C9AB24}">
+                <p16:designElem xmlns:p16="http://schemas.microsoft.com/office/powerpoint/2015/main" val="1"/>
+              </p:ext>
+            </p:extLst>
+          </p:nvPr>
+        </p:nvSpPr>
+        <p:spPr>
+          <a:xfrm>
+            <a:off x="0" y="0"/>
+            <a:ext cx="12192000" cy="6858000"/>
+          </a:xfrm>
+          <a:prstGeom prst="rect">
+            <a:avLst/>
+          </a:prstGeom>
+          <a:solidFill>
+            <a:schemeClr val="bg1"/>
+          </a:solidFill>
+          <a:ln>
+            <a:noFill/>
+          </a:ln>
+        </p:spPr>
+        <p:style>
+          <a:lnRef idx="2">
+            <a:schemeClr val="accent1">
+              <a:shade val="50000"/>
+            </a:schemeClr>
+          </a:lnRef>
+          <a:fillRef idx="1">
+            <a:schemeClr val="accent1"/>
+          </a:fillRef>
+          <a:effectRef idx="0">
+            <a:schemeClr val="accent1"/>
+          </a:effectRef>
+          <a:fontRef idx="minor">
+            <a:schemeClr val="lt1"/>
+          </a:fontRef>
+        </p:style>
+        <p:txBody>
+          <a:bodyPr rtlCol="0" anchor="ctr"/>
+          <a:lstStyle/>
+          <a:p>
+            <a:pPr algn="ctr"/>
+            <a:endParaRPr lang="en-US" dirty="0"/>
+          </a:p>
+        </p:txBody>
+      </p:sp>
+      <p:grpSp>
+        <p:nvGrpSpPr>
+          <p:cNvPr id="24" name="Group 23">
+            <a:extLst>
+              <a:ext uri="{FF2B5EF4-FFF2-40B4-BE49-F238E27FC236}">
+                <a16:creationId xmlns:a16="http://schemas.microsoft.com/office/drawing/2014/main" id="{5995D10D-E9C9-47DB-AE7E-801FEF38F5C9}"/>
+              </a:ext>
+              <a:ext uri="{C183D7F6-B498-43B3-948B-1728B52AA6E4}">
+                <adec:decorative xmlns:adec="http://schemas.microsoft.com/office/drawing/2017/decorative" val="1"/>
+              </a:ext>
+            </a:extLst>
+          </p:cNvPr>
+          <p:cNvGrpSpPr>
+            <a:grpSpLocks noGrp="1" noUngrp="1" noRot="1" noChangeAspect="1" noMove="1" noResize="1"/>
+          </p:cNvGrpSpPr>
+          <p:nvPr>
+            <p:extLst>
+              <p:ext uri="{386F3935-93C4-4BCD-93E2-E3B085C9AB24}">
+                <p16:designElem xmlns:p16="http://schemas.microsoft.com/office/powerpoint/2015/main" val="1"/>
+              </p:ext>
+            </p:extLst>
+          </p:nvPr>
+        </p:nvGrpSpPr>
+        <p:grpSpPr>
+          <a:xfrm>
+            <a:off x="11219290" y="1"/>
+            <a:ext cx="972709" cy="1935307"/>
+            <a:chOff x="10918968" y="713127"/>
+            <a:chExt cx="1273032" cy="2532832"/>
+          </a:xfrm>
+        </p:grpSpPr>
+        <p:sp>
+          <p:nvSpPr>
+            <p:cNvPr id="25" name="Rectangle 24">
+              <a:extLst>
+                <a:ext uri="{FF2B5EF4-FFF2-40B4-BE49-F238E27FC236}">
+                  <a16:creationId xmlns:a16="http://schemas.microsoft.com/office/drawing/2014/main" id="{CC1A72C6-3DE4-4EC3-9AD5-9E0D40D8CE8A}"/>
+                </a:ext>
+                <a:ext uri="{C183D7F6-B498-43B3-948B-1728B52AA6E4}">
+                  <adec:decorative xmlns:adec="http://schemas.microsoft.com/office/drawing/2017/decorative" val="1"/>
+                </a:ext>
+              </a:extLst>
+            </p:cNvPr>
+            <p:cNvSpPr/>
+            <p:nvPr>
+              <p:extLst>
+                <p:ext uri="{386F3935-93C4-4BCD-93E2-E3B085C9AB24}">
+                  <p16:designElem xmlns:p16="http://schemas.microsoft.com/office/powerpoint/2015/main" val="1"/>
+                </p:ext>
+              </p:extLst>
+            </p:nvPr>
+          </p:nvSpPr>
+          <p:spPr>
+            <a:xfrm rot="2700000">
+              <a:off x="11052629" y="2120024"/>
+              <a:ext cx="645368" cy="645368"/>
+            </a:xfrm>
+            <a:prstGeom prst="rect">
+              <a:avLst/>
+            </a:prstGeom>
+            <a:solidFill>
+              <a:schemeClr val="accent4">
+                <a:alpha val="30000"/>
+              </a:schemeClr>
+            </a:solidFill>
+            <a:ln>
+              <a:noFill/>
+            </a:ln>
+          </p:spPr>
+          <p:style>
+            <a:lnRef idx="2">
+              <a:schemeClr val="accent1">
+                <a:shade val="50000"/>
+              </a:schemeClr>
+            </a:lnRef>
+            <a:fillRef idx="1">
+              <a:schemeClr val="accent1"/>
+            </a:fillRef>
+            <a:effectRef idx="0">
+              <a:schemeClr val="accent1"/>
+            </a:effectRef>
+            <a:fontRef idx="minor">
+              <a:schemeClr val="lt1"/>
+            </a:fontRef>
+          </p:style>
+          <p:txBody>
+            <a:bodyPr rtlCol="0" anchor="ctr"/>
+            <a:lstStyle/>
+            <a:p>
+              <a:pPr algn="ctr"/>
+              <a:endParaRPr lang="en-US"/>
+            </a:p>
+          </p:txBody>
+        </p:sp>
+        <p:sp>
+          <p:nvSpPr>
+            <p:cNvPr id="26" name="Isosceles Triangle 25">
+              <a:extLst>
+                <a:ext uri="{FF2B5EF4-FFF2-40B4-BE49-F238E27FC236}">
+                  <a16:creationId xmlns:a16="http://schemas.microsoft.com/office/drawing/2014/main" id="{0B0DA1F1-C391-4EDF-9FE0-23E86E137765}"/>
+                </a:ext>
+                <a:ext uri="{C183D7F6-B498-43B3-948B-1728B52AA6E4}">
+                  <adec:decorative xmlns:adec="http://schemas.microsoft.com/office/drawing/2017/decorative" val="1"/>
+                </a:ext>
+              </a:extLst>
+            </p:cNvPr>
+            <p:cNvSpPr/>
+            <p:nvPr>
+              <p:extLst>
+                <p:ext uri="{386F3935-93C4-4BCD-93E2-E3B085C9AB24}">
+                  <p16:designElem xmlns:p16="http://schemas.microsoft.com/office/powerpoint/2015/main" val="1"/>
+                </p:ext>
+              </p:extLst>
+            </p:nvPr>
+          </p:nvSpPr>
+          <p:spPr>
+            <a:xfrm rot="16200000">
+              <a:off x="10289068" y="1343027"/>
+              <a:ext cx="2532832" cy="1273032"/>
+            </a:xfrm>
+            <a:prstGeom prst="triangle">
+              <a:avLst>
+                <a:gd name="adj" fmla="val 50000"/>
+              </a:avLst>
+            </a:prstGeom>
+            <a:solidFill>
+              <a:schemeClr val="accent4">
+                <a:alpha val="30000"/>
+              </a:schemeClr>
+            </a:solidFill>
+            <a:ln>
+              <a:noFill/>
+            </a:ln>
+          </p:spPr>
+          <p:style>
+            <a:lnRef idx="2">
+              <a:schemeClr val="accent1">
+                <a:shade val="50000"/>
+              </a:schemeClr>
+            </a:lnRef>
+            <a:fillRef idx="1">
+              <a:schemeClr val="accent1"/>
+            </a:fillRef>
+            <a:effectRef idx="0">
+              <a:schemeClr val="accent1"/>
+            </a:effectRef>
+            <a:fontRef idx="minor">
+              <a:schemeClr val="lt1"/>
+            </a:fontRef>
+          </p:style>
+          <p:txBody>
+            <a:bodyPr rtlCol="0" anchor="ctr"/>
+            <a:lstStyle/>
+            <a:p>
+              <a:pPr algn="ctr"/>
+              <a:endParaRPr lang="en-US" dirty="0"/>
+            </a:p>
+          </p:txBody>
+        </p:sp>
+      </p:grpSp>
+      <p:grpSp>
+        <p:nvGrpSpPr>
+          <p:cNvPr id="28" name="Group 27">
+            <a:extLst>
+              <a:ext uri="{FF2B5EF4-FFF2-40B4-BE49-F238E27FC236}">
+                <a16:creationId xmlns:a16="http://schemas.microsoft.com/office/drawing/2014/main" id="{828A5161-06F1-46CF-8AD7-844680A59E13}"/>
+              </a:ext>
+              <a:ext uri="{C183D7F6-B498-43B3-948B-1728B52AA6E4}">
+                <adec:decorative xmlns:adec="http://schemas.microsoft.com/office/drawing/2017/decorative" val="1"/>
+              </a:ext>
+            </a:extLst>
+          </p:cNvPr>
+          <p:cNvGrpSpPr>
+            <a:grpSpLocks noGrp="1" noUngrp="1" noRot="1" noChangeAspect="1" noMove="1" noResize="1"/>
+          </p:cNvGrpSpPr>
+          <p:nvPr>
+            <p:extLst>
+              <p:ext uri="{386F3935-93C4-4BCD-93E2-E3B085C9AB24}">
+                <p16:designElem xmlns:p16="http://schemas.microsoft.com/office/powerpoint/2015/main" val="1"/>
+              </p:ext>
+            </p:extLst>
+          </p:nvPr>
+        </p:nvGrpSpPr>
+        <p:grpSpPr>
+          <a:xfrm>
+            <a:off x="0" y="4601497"/>
+            <a:ext cx="1014060" cy="2017580"/>
+            <a:chOff x="0" y="4601497"/>
+            <a:chExt cx="1014060" cy="2017580"/>
+          </a:xfrm>
+        </p:grpSpPr>
+        <p:sp>
+          <p:nvSpPr>
+            <p:cNvPr id="29" name="Isosceles Triangle 28">
+              <a:extLst>
+                <a:ext uri="{FF2B5EF4-FFF2-40B4-BE49-F238E27FC236}">
+                  <a16:creationId xmlns:a16="http://schemas.microsoft.com/office/drawing/2014/main" id="{D3F51FEB-38FB-4F6C-9F7B-2F2AFAB65463}"/>
+                </a:ext>
+                <a:ext uri="{C183D7F6-B498-43B3-948B-1728B52AA6E4}">
+                  <adec:decorative xmlns:adec="http://schemas.microsoft.com/office/drawing/2017/decorative" val="1"/>
+                </a:ext>
+              </a:extLst>
+            </p:cNvPr>
+            <p:cNvSpPr/>
+            <p:nvPr>
+              <p:extLst>
+                <p:ext uri="{386F3935-93C4-4BCD-93E2-E3B085C9AB24}">
+                  <p16:designElem xmlns:p16="http://schemas.microsoft.com/office/powerpoint/2015/main" val="1"/>
+                </p:ext>
+              </p:extLst>
+            </p:nvPr>
+          </p:nvSpPr>
+          <p:spPr>
+            <a:xfrm rot="5400000">
+              <a:off x="-501760" y="5103257"/>
+              <a:ext cx="2017580" cy="1014060"/>
+            </a:xfrm>
+            <a:prstGeom prst="triangle">
+              <a:avLst>
+                <a:gd name="adj" fmla="val 50000"/>
+              </a:avLst>
+            </a:prstGeom>
+            <a:solidFill>
+              <a:schemeClr val="accent1">
+                <a:alpha val="30000"/>
+              </a:schemeClr>
+            </a:solidFill>
+            <a:ln>
+              <a:noFill/>
+            </a:ln>
+          </p:spPr>
+          <p:style>
+            <a:lnRef idx="2">
+              <a:schemeClr val="accent1">
+                <a:shade val="50000"/>
+              </a:schemeClr>
+            </a:lnRef>
+            <a:fillRef idx="1">
+              <a:schemeClr val="accent1"/>
+            </a:fillRef>
+            <a:effectRef idx="0">
+              <a:schemeClr val="accent1"/>
+            </a:effectRef>
+            <a:fontRef idx="minor">
+              <a:schemeClr val="lt1"/>
+            </a:fontRef>
+          </p:style>
+          <p:txBody>
+            <a:bodyPr rtlCol="0" anchor="ctr"/>
+            <a:lstStyle/>
+            <a:p>
+              <a:pPr algn="ctr"/>
+              <a:endParaRPr lang="en-US"/>
+            </a:p>
+          </p:txBody>
+        </p:sp>
+        <p:sp>
+          <p:nvSpPr>
+            <p:cNvPr id="30" name="Rectangle 29">
+              <a:extLst>
+                <a:ext uri="{FF2B5EF4-FFF2-40B4-BE49-F238E27FC236}">
+                  <a16:creationId xmlns:a16="http://schemas.microsoft.com/office/drawing/2014/main" id="{1E547BA6-BAE0-43BB-A7CA-60F69CE252F0}"/>
+                </a:ext>
+                <a:ext uri="{C183D7F6-B498-43B3-948B-1728B52AA6E4}">
+                  <adec:decorative xmlns:adec="http://schemas.microsoft.com/office/drawing/2017/decorative" val="1"/>
+                </a:ext>
+              </a:extLst>
+            </p:cNvPr>
+            <p:cNvSpPr/>
+            <p:nvPr>
+              <p:extLst>
+                <p:ext uri="{386F3935-93C4-4BCD-93E2-E3B085C9AB24}">
+                  <p16:designElem xmlns:p16="http://schemas.microsoft.com/office/powerpoint/2015/main" val="1"/>
+                </p:ext>
+              </p:extLst>
+            </p:nvPr>
+          </p:nvSpPr>
+          <p:spPr>
+            <a:xfrm rot="2700000">
+              <a:off x="427916" y="5728708"/>
+              <a:ext cx="485578" cy="485578"/>
+            </a:xfrm>
+            <a:prstGeom prst="rect">
+              <a:avLst/>
+            </a:prstGeom>
+            <a:solidFill>
+              <a:schemeClr val="accent1">
+                <a:alpha val="30000"/>
+              </a:schemeClr>
+            </a:solidFill>
+            <a:ln>
+              <a:noFill/>
+            </a:ln>
+          </p:spPr>
+          <p:style>
+            <a:lnRef idx="2">
+              <a:schemeClr val="accent1">
+                <a:shade val="50000"/>
+              </a:schemeClr>
+            </a:lnRef>
+            <a:fillRef idx="1">
+              <a:schemeClr val="accent1"/>
+            </a:fillRef>
+            <a:effectRef idx="0">
+              <a:schemeClr val="accent1"/>
+            </a:effectRef>
+            <a:fontRef idx="minor">
+              <a:schemeClr val="lt1"/>
+            </a:fontRef>
+          </p:style>
+          <p:txBody>
+            <a:bodyPr rtlCol="0" anchor="ctr"/>
+            <a:lstStyle/>
+            <a:p>
+              <a:pPr algn="ctr"/>
+              <a:endParaRPr lang="en-US"/>
+            </a:p>
+          </p:txBody>
+        </p:sp>
+      </p:grpSp>
+      <p:sp>
+        <p:nvSpPr>
           <p:cNvPr id="9" name="Content Placeholder 2">
             <a:extLst>
               <a:ext uri="{FF2B5EF4-FFF2-40B4-BE49-F238E27FC236}">
@@ -5232,14 +6303,14 @@
           <p:nvPr>
             <p:extLst>
               <p:ext uri="{D42A27DB-BD31-4B8C-83A1-F6EECF244321}">
-                <p14:modId xmlns:p14="http://schemas.microsoft.com/office/powerpoint/2010/main" val="1265736400"/>
+                <p14:modId xmlns:p14="http://schemas.microsoft.com/office/powerpoint/2010/main" val="4139191596"/>
               </p:ext>
             </p:extLst>
           </p:nvPr>
         </p:nvGraphicFramePr>
         <p:xfrm>
           <a:off x="696370" y="1677305"/>
-          <a:ext cx="11009274" cy="3872512"/>
+          <a:ext cx="11009274" cy="4523483"/>
         </p:xfrm>
         <a:graphic>
           <a:graphicData uri="http://schemas.openxmlformats.org/drawingml/2006/table">
@@ -5320,7 +6391,7 @@
                     <a:bodyPr/>
                     <a:lstStyle/>
                     <a:p>
-                      <a:pPr marL="0" marR="0" lvl="0" indent="0" algn="ctr" defTabSz="914400" rtl="0" eaLnBrk="1" fontAlgn="auto" latinLnBrk="0" hangingPunct="1">
+                      <a:pPr marL="0" marR="0" lvl="0" indent="0" algn="l" defTabSz="914400" rtl="0" eaLnBrk="1" fontAlgn="auto" latinLnBrk="0" hangingPunct="1">
                         <a:lnSpc>
                           <a:spcPct val="100000"/>
                         </a:lnSpc>
@@ -5339,7 +6410,7 @@
                       </a:pPr>
                       <a:r>
                         <a:rPr lang="en-CO" dirty="0"/>
-                        <a:t>Parameters</a:t>
+                        <a:t>            Parameters</a:t>
                       </a:r>
                     </a:p>
                   </a:txBody>
@@ -5456,6 +6527,88 @@
                 <a:extLst>
                   <a:ext uri="{0D108BD9-81ED-4DB2-BD59-A6C34878D82A}">
                     <a16:rowId xmlns:a16="http://schemas.microsoft.com/office/drawing/2014/main" val="1392976245"/>
+                  </a:ext>
+                </a:extLst>
+              </a:tr>
+              <a:tr h="650971">
+                <a:tc>
+                  <a:txBody>
+                    <a:bodyPr/>
+                    <a:lstStyle/>
+                    <a:p>
+                      <a:pPr marL="0" marR="0" lvl="0" indent="0" algn="ctr" defTabSz="914400" rtl="0" eaLnBrk="1" fontAlgn="auto" latinLnBrk="0" hangingPunct="1">
+                        <a:lnSpc>
+                          <a:spcPct val="100000"/>
+                        </a:lnSpc>
+                        <a:spcBef>
+                          <a:spcPts val="0"/>
+                        </a:spcBef>
+                        <a:spcAft>
+                          <a:spcPts val="0"/>
+                        </a:spcAft>
+                        <a:buClrTx/>
+                        <a:buSzTx/>
+                        <a:buFontTx/>
+                        <a:buNone/>
+                        <a:tabLst/>
+                        <a:defRPr/>
+                      </a:pPr>
+                      <a:r>
+                        <a:rPr lang="en-CO" dirty="0"/>
+                        <a:t>Neural Network Model 3</a:t>
+                      </a:r>
+                    </a:p>
+                    <a:p>
+                      <a:pPr marL="0" marR="0" lvl="0" indent="0" algn="ctr" defTabSz="914400" rtl="0" eaLnBrk="1" fontAlgn="auto" latinLnBrk="0" hangingPunct="1">
+                        <a:lnSpc>
+                          <a:spcPct val="100000"/>
+                        </a:lnSpc>
+                        <a:spcBef>
+                          <a:spcPts val="0"/>
+                        </a:spcBef>
+                        <a:spcAft>
+                          <a:spcPts val="0"/>
+                        </a:spcAft>
+                        <a:buClrTx/>
+                        <a:buSzTx/>
+                        <a:buFontTx/>
+                        <a:buNone/>
+                        <a:tabLst/>
+                        <a:defRPr/>
+                      </a:pPr>
+                      <a:endParaRPr lang="en-CO" dirty="0"/>
+                    </a:p>
+                  </a:txBody>
+                  <a:tcPr/>
+                </a:tc>
+                <a:tc>
+                  <a:txBody>
+                    <a:bodyPr/>
+                    <a:lstStyle/>
+                    <a:p>
+                      <a:pPr algn="ctr"/>
+                      <a:r>
+                        <a:rPr lang="en-CO" dirty="0"/>
+                        <a:t>3.065</a:t>
+                      </a:r>
+                    </a:p>
+                  </a:txBody>
+                  <a:tcPr/>
+                </a:tc>
+                <a:tc>
+                  <a:txBody>
+                    <a:bodyPr/>
+                    <a:lstStyle/>
+                    <a:p>
+                      <a:pPr algn="ctr"/>
+                      <a:endParaRPr lang="en-CO" dirty="0"/>
+                    </a:p>
+                  </a:txBody>
+                  <a:tcPr/>
+                </a:tc>
+                <a:extLst>
+                  <a:ext uri="{0D108BD9-81ED-4DB2-BD59-A6C34878D82A}">
+                    <a16:rowId xmlns:a16="http://schemas.microsoft.com/office/drawing/2014/main" val="3025074736"/>
                   </a:ext>
                 </a:extLst>
               </a:tr>
@@ -5616,7 +6769,7 @@
               <p14:nvPr/>
             </p14:nvContentPartPr>
             <p14:xfrm>
-              <a:off x="6605608" y="3166323"/>
+              <a:off x="6607687" y="3124281"/>
               <a:ext cx="144720" cy="3240"/>
             </p14:xfrm>
           </p:contentPart>
@@ -5642,7 +6795,7 @@
             </p:blipFill>
             <p:spPr>
               <a:xfrm>
-                <a:off x="6569608" y="3094323"/>
+                <a:off x="6571687" y="3052281"/>
                 <a:ext cx="216360" cy="146880"/>
               </a:xfrm>
               <a:prstGeom prst="rect">
@@ -5667,7 +6820,7 @@
               <p14:nvPr/>
             </p14:nvContentPartPr>
             <p14:xfrm>
-              <a:off x="6626308" y="5177815"/>
+              <a:off x="6626406" y="5731079"/>
               <a:ext cx="103320" cy="2880"/>
             </p14:xfrm>
           </p:contentPart>
@@ -5693,7 +6846,7 @@
             </p:blipFill>
             <p:spPr>
               <a:xfrm>
-                <a:off x="6590308" y="5105815"/>
+                <a:off x="6590406" y="5659079"/>
                 <a:ext cx="174960" cy="146520"/>
               </a:xfrm>
               <a:prstGeom prst="rect">
@@ -5779,7 +6932,7 @@
         </p:blipFill>
         <p:spPr>
           <a:xfrm>
-            <a:off x="7004339" y="4937377"/>
+            <a:off x="7077911" y="5554946"/>
             <a:ext cx="4627733" cy="577405"/>
           </a:xfrm>
           <a:prstGeom prst="rect">
@@ -5809,7 +6962,7 @@
         </p:blipFill>
         <p:spPr>
           <a:xfrm>
-            <a:off x="7004339" y="4279392"/>
+            <a:off x="7077911" y="4896961"/>
             <a:ext cx="4627732" cy="607799"/>
           </a:xfrm>
           <a:prstGeom prst="rect">
@@ -5839,8 +6992,8 @@
         </p:blipFill>
         <p:spPr>
           <a:xfrm>
-            <a:off x="7004339" y="3634684"/>
-            <a:ext cx="4627732" cy="607799"/>
+            <a:off x="7077911" y="4262764"/>
+            <a:ext cx="4627732" cy="566384"/>
           </a:xfrm>
           <a:prstGeom prst="rect">
             <a:avLst/>
@@ -5870,7 +7023,7 @@
           <a:p>
             <a:fld id="{70C38C08-47C7-4847-B0BE-B9D8DEEB3D1B}" type="slidenum">
               <a:rPr lang="en-US" smtClean="0"/>
-              <a:t>10</a:t>
+              <a:t>11</a:t>
             </a:fld>
             <a:endParaRPr lang="en-US"/>
           </a:p>
@@ -5889,7 +7042,7 @@
 </p:sld>
 </file>
 
-<file path=ppt/slides/slide11.xml><?xml version="1.0" encoding="utf-8"?>
+<file path=ppt/slides/slide12.xml><?xml version="1.0" encoding="utf-8"?>
 <p:sld xmlns:a="http://schemas.openxmlformats.org/drawingml/2006/main" xmlns:r="http://schemas.openxmlformats.org/officeDocument/2006/relationships" xmlns:p="http://schemas.openxmlformats.org/presentationml/2006/main">
   <p:cSld>
     <p:bg>
@@ -6571,7 +7724,7 @@
           <a:p>
             <a:fld id="{70C38C08-47C7-4847-B0BE-B9D8DEEB3D1B}" type="slidenum">
               <a:rPr lang="en-US" smtClean="0"/>
-              <a:t>11</a:t>
+              <a:t>12</a:t>
             </a:fld>
             <a:endParaRPr lang="en-US"/>
           </a:p>
@@ -6590,7 +7743,7 @@
 </p:sld>
 </file>
 
-<file path=ppt/slides/slide12.xml><?xml version="1.0" encoding="utf-8"?>
+<file path=ppt/slides/slide13.xml><?xml version="1.0" encoding="utf-8"?>
 <p:sld xmlns:a="http://schemas.openxmlformats.org/drawingml/2006/main" xmlns:r="http://schemas.openxmlformats.org/officeDocument/2006/relationships" xmlns:p="http://schemas.openxmlformats.org/presentationml/2006/main">
   <p:cSld>
     <p:bg>
@@ -7183,7 +8336,7 @@
           <a:p>
             <a:fld id="{70C38C08-47C7-4847-B0BE-B9D8DEEB3D1B}" type="slidenum">
               <a:rPr lang="en-US" smtClean="0"/>
-              <a:t>12</a:t>
+              <a:t>13</a:t>
             </a:fld>
             <a:endParaRPr lang="en-US"/>
           </a:p>
@@ -7202,7 +8355,7 @@
 </p:sld>
 </file>
 
-<file path=ppt/slides/slide13.xml><?xml version="1.0" encoding="utf-8"?>
+<file path=ppt/slides/slide14.xml><?xml version="1.0" encoding="utf-8"?>
 <p:sld xmlns:a="http://schemas.openxmlformats.org/drawingml/2006/main" xmlns:r="http://schemas.openxmlformats.org/officeDocument/2006/relationships" xmlns:p="http://schemas.openxmlformats.org/presentationml/2006/main">
   <p:cSld>
     <p:bg>
@@ -7668,7 +8821,7 @@
           <a:p>
             <a:fld id="{70C38C08-47C7-4847-B0BE-B9D8DEEB3D1B}" type="slidenum">
               <a:rPr lang="en-US" smtClean="0"/>
-              <a:t>13</a:t>
+              <a:t>14</a:t>
             </a:fld>
             <a:endParaRPr lang="en-US"/>
           </a:p>
@@ -7687,7 +8840,7 @@
 </p:sld>
 </file>
 
-<file path=ppt/slides/slide14.xml><?xml version="1.0" encoding="utf-8"?>
+<file path=ppt/slides/slide15.xml><?xml version="1.0" encoding="utf-8"?>
 <p:sld xmlns:a="http://schemas.openxmlformats.org/drawingml/2006/main" xmlns:r="http://schemas.openxmlformats.org/officeDocument/2006/relationships" xmlns:p="http://schemas.openxmlformats.org/presentationml/2006/main" show="0">
   <p:cSld>
     <p:bg>
@@ -8349,7 +9502,7 @@
           <a:p>
             <a:fld id="{70C38C08-47C7-4847-B0BE-B9D8DEEB3D1B}" type="slidenum">
               <a:rPr lang="en-US" smtClean="0"/>
-              <a:t>14</a:t>
+              <a:t>15</a:t>
             </a:fld>
             <a:endParaRPr lang="en-US"/>
           </a:p>
@@ -8368,7 +9521,7 @@
 </p:sld>
 </file>
 
-<file path=ppt/slides/slide15.xml><?xml version="1.0" encoding="utf-8"?>
+<file path=ppt/slides/slide16.xml><?xml version="1.0" encoding="utf-8"?>
 <p:sld xmlns:a="http://schemas.openxmlformats.org/drawingml/2006/main" xmlns:r="http://schemas.openxmlformats.org/officeDocument/2006/relationships" xmlns:p="http://schemas.openxmlformats.org/presentationml/2006/main" show="0">
   <p:cSld>
     <p:bg>
@@ -9030,7 +10183,7 @@
           <a:p>
             <a:fld id="{70C38C08-47C7-4847-B0BE-B9D8DEEB3D1B}" type="slidenum">
               <a:rPr lang="en-US" smtClean="0"/>
-              <a:t>15</a:t>
+              <a:t>16</a:t>
             </a:fld>
             <a:endParaRPr lang="en-US"/>
           </a:p>
@@ -9049,7 +10202,7 @@
 </p:sld>
 </file>
 
-<file path=ppt/slides/slide16.xml><?xml version="1.0" encoding="utf-8"?>
+<file path=ppt/slides/slide17.xml><?xml version="1.0" encoding="utf-8"?>
 <p:sld xmlns:a="http://schemas.openxmlformats.org/drawingml/2006/main" xmlns:r="http://schemas.openxmlformats.org/officeDocument/2006/relationships" xmlns:p="http://schemas.openxmlformats.org/presentationml/2006/main" show="0">
   <p:cSld>
     <p:bg>
@@ -9711,7 +10864,7 @@
           <a:p>
             <a:fld id="{70C38C08-47C7-4847-B0BE-B9D8DEEB3D1B}" type="slidenum">
               <a:rPr lang="en-US" smtClean="0"/>
-              <a:t>16</a:t>
+              <a:t>17</a:t>
             </a:fld>
             <a:endParaRPr lang="en-US"/>
           </a:p>
@@ -9730,7 +10883,7 @@
 </p:sld>
 </file>
 
-<file path=ppt/slides/slide17.xml><?xml version="1.0" encoding="utf-8"?>
+<file path=ppt/slides/slide18.xml><?xml version="1.0" encoding="utf-8"?>
 <p:sld xmlns:a="http://schemas.openxmlformats.org/drawingml/2006/main" xmlns:r="http://schemas.openxmlformats.org/officeDocument/2006/relationships" xmlns:p="http://schemas.openxmlformats.org/presentationml/2006/main" show="0">
   <p:cSld>
     <p:bg>
@@ -10392,7 +11545,7 @@
           <a:p>
             <a:fld id="{70C38C08-47C7-4847-B0BE-B9D8DEEB3D1B}" type="slidenum">
               <a:rPr lang="en-US" smtClean="0"/>
-              <a:t>17</a:t>
+              <a:t>18</a:t>
             </a:fld>
             <a:endParaRPr lang="en-US"/>
           </a:p>
@@ -10580,13 +11733,10 @@
             </a:r>
           </a:p>
           <a:p>
+            <a:pPr marL="0" indent="0">
+              <a:buNone/>
+            </a:pPr>
             <a:endParaRPr lang="en-CO" sz="2000" dirty="0"/>
-          </a:p>
-          <a:p>
-            <a:r>
-              <a:rPr lang="en-CO" sz="2000" dirty="0"/>
-              <a:t>More 70’s context about housing in U.S</a:t>
-            </a:r>
           </a:p>
         </p:txBody>
       </p:sp>
@@ -13916,7 +15066,7 @@
                         <a:defRPr/>
                       </a:pPr>
                       <a:r>
-                        <a:rPr lang="en-US" sz="1400" b="1" kern="1200" cap="none" spc="0">
+                        <a:rPr lang="en-US" sz="1400" b="1" kern="1200" cap="none" spc="0" dirty="0">
                           <a:solidFill>
                             <a:schemeClr val="tx1"/>
                           </a:solidFill>
@@ -13925,7 +15075,7 @@
                         <a:t>LSTAT</a:t>
                       </a:r>
                       <a:r>
-                        <a:rPr lang="en-US" sz="1400" b="0" kern="1200" cap="none" spc="0">
+                        <a:rPr lang="en-US" sz="1400" b="0" kern="1200" cap="none" spc="0" dirty="0">
                           <a:solidFill>
                             <a:schemeClr val="tx1"/>
                           </a:solidFill>
@@ -13933,7 +15083,7 @@
                         </a:rPr>
                         <a:t> - % lower status of the population</a:t>
                       </a:r>
-                      <a:endParaRPr lang="en-US" sz="1400" b="0" i="0" kern="1200" cap="none" spc="0">
+                      <a:endParaRPr lang="en-US" sz="1400" b="0" i="0" kern="1200" cap="none" spc="0" dirty="0">
                         <a:solidFill>
                           <a:schemeClr val="tx1"/>
                         </a:solidFill>
@@ -17376,10 +18526,10 @@
       </p:grpSp>
       <p:sp>
         <p:nvSpPr>
-          <p:cNvPr id="17" name="Title 1">
-            <a:extLst>
-              <a:ext uri="{FF2B5EF4-FFF2-40B4-BE49-F238E27FC236}">
-                <a16:creationId xmlns:a16="http://schemas.microsoft.com/office/drawing/2014/main" id="{A4356498-1433-2747-8431-16F7A6A01B5A}"/>
+          <p:cNvPr id="18" name="Title 1">
+            <a:extLst>
+              <a:ext uri="{FF2B5EF4-FFF2-40B4-BE49-F238E27FC236}">
+                <a16:creationId xmlns:a16="http://schemas.microsoft.com/office/drawing/2014/main" id="{A70647D9-87AF-BE4C-BE75-85E69DC7BEF2}"/>
               </a:ext>
             </a:extLst>
           </p:cNvPr>
@@ -17390,7 +18540,7 @@
         </p:nvSpPr>
         <p:spPr>
           <a:xfrm>
-            <a:off x="643467" y="321734"/>
+            <a:off x="643467" y="188326"/>
             <a:ext cx="10905066" cy="1135737"/>
           </a:xfrm>
           <a:prstGeom prst="rect">
@@ -17422,19 +18572,18 @@
           </a:lstStyle>
           <a:p>
             <a:r>
-              <a:rPr lang="en-US" sz="3600"/>
+              <a:rPr lang="en-US" sz="3600" dirty="0"/>
               <a:t>Modeling</a:t>
             </a:r>
-            <a:endParaRPr lang="en-US" sz="3600" dirty="0"/>
           </a:p>
         </p:txBody>
       </p:sp>
       <p:sp>
         <p:nvSpPr>
-          <p:cNvPr id="18" name="Content Placeholder 2">
-            <a:extLst>
-              <a:ext uri="{FF2B5EF4-FFF2-40B4-BE49-F238E27FC236}">
-                <a16:creationId xmlns:a16="http://schemas.microsoft.com/office/drawing/2014/main" id="{1543E20E-ED9D-604E-A00D-AF64FC3DB9B9}"/>
+          <p:cNvPr id="19" name="Content Placeholder 2">
+            <a:extLst>
+              <a:ext uri="{FF2B5EF4-FFF2-40B4-BE49-F238E27FC236}">
+                <a16:creationId xmlns:a16="http://schemas.microsoft.com/office/drawing/2014/main" id="{7151D2FF-4069-1B40-B4FB-54CB9FC2C726}"/>
               </a:ext>
             </a:extLst>
           </p:cNvPr>
@@ -17447,13 +18596,13 @@
         </p:nvSpPr>
         <p:spPr>
           <a:xfrm>
-            <a:off x="643467" y="992026"/>
+            <a:off x="643467" y="888435"/>
             <a:ext cx="4008384" cy="473522"/>
           </a:xfrm>
         </p:spPr>
         <p:txBody>
           <a:bodyPr vert="horz" lIns="91440" tIns="45720" rIns="91440" bIns="45720" rtlCol="0">
-            <a:normAutofit fontScale="92500"/>
+            <a:normAutofit/>
           </a:bodyPr>
           <a:lstStyle/>
           <a:p>
@@ -17461,16 +18610,8 @@
               <a:buNone/>
             </a:pPr>
             <a:r>
-              <a:rPr lang="en-US" sz="2000" kern="1200" dirty="0">
-                <a:latin typeface="+mn-lt"/>
-                <a:ea typeface="+mn-ea"/>
-                <a:cs typeface="+mn-cs"/>
-              </a:rPr>
-              <a:t>Predictions - </a:t>
-            </a:r>
-            <a:r>
               <a:rPr lang="en-CO" sz="2000" dirty="0"/>
-              <a:t>Neural Network Model 2 </a:t>
+              <a:t>Neural Network Model 3 </a:t>
             </a:r>
           </a:p>
           <a:p>
@@ -17485,521 +18626,12 @@
           </a:p>
         </p:txBody>
       </p:sp>
-      <p:graphicFrame>
-        <p:nvGraphicFramePr>
-          <p:cNvPr id="19" name="Table 11">
-            <a:extLst>
-              <a:ext uri="{FF2B5EF4-FFF2-40B4-BE49-F238E27FC236}">
-                <a16:creationId xmlns:a16="http://schemas.microsoft.com/office/drawing/2014/main" id="{13DA2DED-7463-4F40-AA80-5BD8DC1CB7EA}"/>
-              </a:ext>
-            </a:extLst>
-          </p:cNvPr>
-          <p:cNvGraphicFramePr>
-            <a:graphicFrameLocks noGrp="1"/>
-          </p:cNvGraphicFramePr>
-          <p:nvPr>
-            <p:extLst>
-              <p:ext uri="{D42A27DB-BD31-4B8C-83A1-F6EECF244321}">
-                <p14:modId xmlns:p14="http://schemas.microsoft.com/office/powerpoint/2010/main" val="3584815518"/>
-              </p:ext>
-            </p:extLst>
-          </p:nvPr>
-        </p:nvGraphicFramePr>
-        <p:xfrm>
-          <a:off x="2032000" y="2316480"/>
-          <a:ext cx="8127999" cy="2225040"/>
-        </p:xfrm>
-        <a:graphic>
-          <a:graphicData uri="http://schemas.openxmlformats.org/drawingml/2006/table">
-            <a:tbl>
-              <a:tblPr firstRow="1" bandRow="1">
-                <a:tableStyleId>{3B4B98B0-60AC-42C2-AFA5-B58CD77FA1E5}</a:tableStyleId>
-              </a:tblPr>
-              <a:tblGrid>
-                <a:gridCol w="2709333">
-                  <a:extLst>
-                    <a:ext uri="{9D8B030D-6E8A-4147-A177-3AD203B41FA5}">
-                      <a16:colId xmlns:a16="http://schemas.microsoft.com/office/drawing/2014/main" val="916724625"/>
-                    </a:ext>
-                  </a:extLst>
-                </a:gridCol>
-                <a:gridCol w="2709333">
-                  <a:extLst>
-                    <a:ext uri="{9D8B030D-6E8A-4147-A177-3AD203B41FA5}">
-                      <a16:colId xmlns:a16="http://schemas.microsoft.com/office/drawing/2014/main" val="3940866557"/>
-                    </a:ext>
-                  </a:extLst>
-                </a:gridCol>
-                <a:gridCol w="2709333">
-                  <a:extLst>
-                    <a:ext uri="{9D8B030D-6E8A-4147-A177-3AD203B41FA5}">
-                      <a16:colId xmlns:a16="http://schemas.microsoft.com/office/drawing/2014/main" val="1054785922"/>
-                    </a:ext>
-                  </a:extLst>
-                </a:gridCol>
-              </a:tblGrid>
-              <a:tr h="370840">
-                <a:tc>
-                  <a:txBody>
-                    <a:bodyPr/>
-                    <a:lstStyle/>
-                    <a:p>
-                      <a:pPr algn="ctr"/>
-                      <a:r>
-                        <a:rPr lang="en-CO" dirty="0"/>
-                        <a:t>Real ($)</a:t>
-                      </a:r>
-                    </a:p>
-                  </a:txBody>
-                  <a:tcPr/>
-                </a:tc>
-                <a:tc>
-                  <a:txBody>
-                    <a:bodyPr/>
-                    <a:lstStyle/>
-                    <a:p>
-                      <a:pPr algn="ctr"/>
-                      <a:r>
-                        <a:rPr lang="en-CO" dirty="0"/>
-                        <a:t>Predicted ($) in 1970</a:t>
-                      </a:r>
-                    </a:p>
-                  </a:txBody>
-                  <a:tcPr/>
-                </a:tc>
-                <a:tc>
-                  <a:txBody>
-                    <a:bodyPr/>
-                    <a:lstStyle/>
-                    <a:p>
-                      <a:pPr marL="0" marR="0" lvl="0" indent="0" algn="ctr" defTabSz="914400" rtl="0" eaLnBrk="1" fontAlgn="auto" latinLnBrk="0" hangingPunct="1">
-                        <a:lnSpc>
-                          <a:spcPct val="100000"/>
-                        </a:lnSpc>
-                        <a:spcBef>
-                          <a:spcPts val="0"/>
-                        </a:spcBef>
-                        <a:spcAft>
-                          <a:spcPts val="0"/>
-                        </a:spcAft>
-                        <a:buClrTx/>
-                        <a:buSzTx/>
-                        <a:buFontTx/>
-                        <a:buNone/>
-                        <a:tabLst/>
-                        <a:defRPr/>
-                      </a:pPr>
-                      <a:r>
-                        <a:rPr lang="en-CO" dirty="0"/>
-                        <a:t>Predicted ($) in 2022</a:t>
-                      </a:r>
-                    </a:p>
-                  </a:txBody>
-                  <a:tcPr/>
-                </a:tc>
-                <a:extLst>
-                  <a:ext uri="{0D108BD9-81ED-4DB2-BD59-A6C34878D82A}">
-                    <a16:rowId xmlns:a16="http://schemas.microsoft.com/office/drawing/2014/main" val="1558068737"/>
-                  </a:ext>
-                </a:extLst>
-              </a:tr>
-              <a:tr h="370840">
-                <a:tc>
-                  <a:txBody>
-                    <a:bodyPr/>
-                    <a:lstStyle/>
-                    <a:p>
-                      <a:pPr algn="ctr"/>
-                      <a:r>
-                        <a:rPr lang="en-CO" dirty="0"/>
-                        <a:t>21.2</a:t>
-                      </a:r>
-                    </a:p>
-                  </a:txBody>
-                  <a:tcPr/>
-                </a:tc>
-                <a:tc>
-                  <a:txBody>
-                    <a:bodyPr/>
-                    <a:lstStyle/>
-                    <a:p>
-                      <a:pPr algn="ctr"/>
-                      <a:r>
-                        <a:rPr lang="en-CO" sz="1800" b="0" i="0" kern="1200" dirty="0">
-                          <a:solidFill>
-                            <a:schemeClr val="tx1"/>
-                          </a:solidFill>
-                          <a:effectLst/>
-                          <a:latin typeface="+mn-lt"/>
-                          <a:ea typeface="+mn-ea"/>
-                          <a:cs typeface="+mn-cs"/>
-                        </a:rPr>
-                        <a:t>18.51</a:t>
-                      </a:r>
-                      <a:endParaRPr lang="en-CO" dirty="0"/>
-                    </a:p>
-                  </a:txBody>
-                  <a:tcPr/>
-                </a:tc>
-                <a:tc>
-                  <a:txBody>
-                    <a:bodyPr/>
-                    <a:lstStyle/>
-                    <a:p>
-                      <a:pPr algn="ctr"/>
-                      <a:r>
-                        <a:rPr lang="en-CO" dirty="0"/>
-                        <a:t>152,335</a:t>
-                      </a:r>
-                    </a:p>
-                  </a:txBody>
-                  <a:tcPr/>
-                </a:tc>
-                <a:extLst>
-                  <a:ext uri="{0D108BD9-81ED-4DB2-BD59-A6C34878D82A}">
-                    <a16:rowId xmlns:a16="http://schemas.microsoft.com/office/drawing/2014/main" val="3687893617"/>
-                  </a:ext>
-                </a:extLst>
-              </a:tr>
-              <a:tr h="370840">
-                <a:tc>
-                  <a:txBody>
-                    <a:bodyPr/>
-                    <a:lstStyle/>
-                    <a:p>
-                      <a:pPr algn="ctr"/>
-                      <a:r>
-                        <a:rPr lang="en-CO" sz="1800" b="0" i="0" kern="1200" dirty="0">
-                          <a:solidFill>
-                            <a:schemeClr val="tx1"/>
-                          </a:solidFill>
-                          <a:effectLst/>
-                          <a:latin typeface="+mn-lt"/>
-                          <a:ea typeface="+mn-ea"/>
-                          <a:cs typeface="+mn-cs"/>
-                        </a:rPr>
-                        <a:t>20.6</a:t>
-                      </a:r>
-                      <a:endParaRPr lang="en-CO" dirty="0"/>
-                    </a:p>
-                  </a:txBody>
-                  <a:tcPr/>
-                </a:tc>
-                <a:tc>
-                  <a:txBody>
-                    <a:bodyPr/>
-                    <a:lstStyle/>
-                    <a:p>
-                      <a:pPr algn="ctr"/>
-                      <a:r>
-                        <a:rPr lang="en-CO" sz="1800" b="0" i="0" kern="1200" dirty="0">
-                          <a:solidFill>
-                            <a:schemeClr val="tx1"/>
-                          </a:solidFill>
-                          <a:effectLst/>
-                          <a:latin typeface="+mn-lt"/>
-                          <a:ea typeface="+mn-ea"/>
-                          <a:cs typeface="+mn-cs"/>
-                        </a:rPr>
-                        <a:t>20.62</a:t>
-                      </a:r>
-                      <a:endParaRPr lang="en-CO" dirty="0"/>
-                    </a:p>
-                  </a:txBody>
-                  <a:tcPr/>
-                </a:tc>
-                <a:tc>
-                  <a:txBody>
-                    <a:bodyPr/>
-                    <a:lstStyle/>
-                    <a:p>
-                      <a:pPr algn="ctr"/>
-                      <a:r>
-                        <a:rPr lang="en-CO" dirty="0"/>
-                        <a:t>148,023</a:t>
-                      </a:r>
-                    </a:p>
-                  </a:txBody>
-                  <a:tcPr/>
-                </a:tc>
-                <a:extLst>
-                  <a:ext uri="{0D108BD9-81ED-4DB2-BD59-A6C34878D82A}">
-                    <a16:rowId xmlns:a16="http://schemas.microsoft.com/office/drawing/2014/main" val="1392976245"/>
-                  </a:ext>
-                </a:extLst>
-              </a:tr>
-              <a:tr h="370840">
-                <a:tc>
-                  <a:txBody>
-                    <a:bodyPr/>
-                    <a:lstStyle/>
-                    <a:p>
-                      <a:pPr algn="ctr"/>
-                      <a:r>
-                        <a:rPr lang="en-CO" sz="1800" b="0" i="0" kern="1200" dirty="0">
-                          <a:solidFill>
-                            <a:schemeClr val="tx1"/>
-                          </a:solidFill>
-                          <a:effectLst/>
-                          <a:latin typeface="+mn-lt"/>
-                          <a:ea typeface="+mn-ea"/>
-                          <a:cs typeface="+mn-cs"/>
-                        </a:rPr>
-                        <a:t>21.5</a:t>
-                      </a:r>
-                      <a:endParaRPr lang="en-CO" dirty="0"/>
-                    </a:p>
-                  </a:txBody>
-                  <a:tcPr/>
-                </a:tc>
-                <a:tc>
-                  <a:txBody>
-                    <a:bodyPr/>
-                    <a:lstStyle/>
-                    <a:p>
-                      <a:pPr algn="ctr"/>
-                      <a:r>
-                        <a:rPr lang="en-CO" sz="1800" b="0" i="0" kern="1200" dirty="0">
-                          <a:solidFill>
-                            <a:schemeClr val="tx1"/>
-                          </a:solidFill>
-                          <a:effectLst/>
-                          <a:latin typeface="+mn-lt"/>
-                          <a:ea typeface="+mn-ea"/>
-                          <a:cs typeface="+mn-cs"/>
-                        </a:rPr>
-                        <a:t>20.94</a:t>
-                      </a:r>
-                      <a:endParaRPr lang="en-CO" dirty="0"/>
-                    </a:p>
-                  </a:txBody>
-                  <a:tcPr/>
-                </a:tc>
-                <a:tc>
-                  <a:txBody>
-                    <a:bodyPr/>
-                    <a:lstStyle/>
-                    <a:p>
-                      <a:pPr algn="ctr"/>
-                      <a:r>
-                        <a:rPr lang="en-CO" dirty="0"/>
-                        <a:t>154,490</a:t>
-                      </a:r>
-                    </a:p>
-                  </a:txBody>
-                  <a:tcPr/>
-                </a:tc>
-                <a:extLst>
-                  <a:ext uri="{0D108BD9-81ED-4DB2-BD59-A6C34878D82A}">
-                    <a16:rowId xmlns:a16="http://schemas.microsoft.com/office/drawing/2014/main" val="3323869999"/>
-                  </a:ext>
-                </a:extLst>
-              </a:tr>
-              <a:tr h="370840">
-                <a:tc>
-                  <a:txBody>
-                    <a:bodyPr/>
-                    <a:lstStyle/>
-                    <a:p>
-                      <a:pPr algn="ctr"/>
-                      <a:r>
-                        <a:rPr lang="en-CO" dirty="0"/>
-                        <a:t>21.7</a:t>
-                      </a:r>
-                    </a:p>
-                  </a:txBody>
-                  <a:tcPr/>
-                </a:tc>
-                <a:tc>
-                  <a:txBody>
-                    <a:bodyPr/>
-                    <a:lstStyle/>
-                    <a:p>
-                      <a:pPr algn="ctr"/>
-                      <a:r>
-                        <a:rPr lang="en-CO" sz="1800" b="0" i="0" kern="1200" dirty="0">
-                          <a:solidFill>
-                            <a:schemeClr val="tx1"/>
-                          </a:solidFill>
-                          <a:effectLst/>
-                          <a:latin typeface="+mn-lt"/>
-                          <a:ea typeface="+mn-ea"/>
-                          <a:cs typeface="+mn-cs"/>
-                        </a:rPr>
-                        <a:t>21.00</a:t>
-                      </a:r>
-                      <a:endParaRPr lang="en-CO" dirty="0"/>
-                    </a:p>
-                  </a:txBody>
-                  <a:tcPr/>
-                </a:tc>
-                <a:tc>
-                  <a:txBody>
-                    <a:bodyPr/>
-                    <a:lstStyle/>
-                    <a:p>
-                      <a:pPr algn="ctr"/>
-                      <a:r>
-                        <a:rPr lang="en-CO" dirty="0"/>
-                        <a:t>155,927</a:t>
-                      </a:r>
-                    </a:p>
-                  </a:txBody>
-                  <a:tcPr/>
-                </a:tc>
-                <a:extLst>
-                  <a:ext uri="{0D108BD9-81ED-4DB2-BD59-A6C34878D82A}">
-                    <a16:rowId xmlns:a16="http://schemas.microsoft.com/office/drawing/2014/main" val="671105089"/>
-                  </a:ext>
-                </a:extLst>
-              </a:tr>
-              <a:tr h="370840">
-                <a:tc>
-                  <a:txBody>
-                    <a:bodyPr/>
-                    <a:lstStyle/>
-                    <a:p>
-                      <a:pPr algn="ctr"/>
-                      <a:r>
-                        <a:rPr lang="en-CO" dirty="0"/>
-                        <a:t>13.4</a:t>
-                      </a:r>
-                    </a:p>
-                  </a:txBody>
-                  <a:tcPr/>
-                </a:tc>
-                <a:tc>
-                  <a:txBody>
-                    <a:bodyPr/>
-                    <a:lstStyle/>
-                    <a:p>
-                      <a:pPr algn="ctr"/>
-                      <a:r>
-                        <a:rPr lang="en-CO" sz="1800" b="0" i="0" kern="1200" dirty="0">
-                          <a:solidFill>
-                            <a:schemeClr val="tx1"/>
-                          </a:solidFill>
-                          <a:effectLst/>
-                          <a:latin typeface="+mn-lt"/>
-                          <a:ea typeface="+mn-ea"/>
-                          <a:cs typeface="+mn-cs"/>
-                        </a:rPr>
-                        <a:t>12.63</a:t>
-                      </a:r>
-                      <a:endParaRPr lang="en-CO" dirty="0"/>
-                    </a:p>
-                  </a:txBody>
-                  <a:tcPr/>
-                </a:tc>
-                <a:tc>
-                  <a:txBody>
-                    <a:bodyPr/>
-                    <a:lstStyle/>
-                    <a:p>
-                      <a:pPr algn="ctr"/>
-                      <a:r>
-                        <a:rPr lang="en-CO" sz="1800" b="0" i="0" kern="1200" dirty="0">
-                          <a:solidFill>
-                            <a:schemeClr val="tx1"/>
-                          </a:solidFill>
-                          <a:effectLst/>
-                          <a:latin typeface="+mn-lt"/>
-                          <a:ea typeface="+mn-ea"/>
-                          <a:cs typeface="+mn-cs"/>
-                        </a:rPr>
-                        <a:t>96,287</a:t>
-                      </a:r>
-                      <a:endParaRPr lang="en-CO" dirty="0"/>
-                    </a:p>
-                  </a:txBody>
-                  <a:tcPr/>
-                </a:tc>
-                <a:extLst>
-                  <a:ext uri="{0D108BD9-81ED-4DB2-BD59-A6C34878D82A}">
-                    <a16:rowId xmlns:a16="http://schemas.microsoft.com/office/drawing/2014/main" val="2233330235"/>
-                  </a:ext>
-                </a:extLst>
-              </a:tr>
-            </a:tbl>
-          </a:graphicData>
-        </a:graphic>
-      </p:graphicFrame>
       <p:sp>
         <p:nvSpPr>
-          <p:cNvPr id="20" name="TextBox 19">
-            <a:extLst>
-              <a:ext uri="{FF2B5EF4-FFF2-40B4-BE49-F238E27FC236}">
-                <a16:creationId xmlns:a16="http://schemas.microsoft.com/office/drawing/2014/main" id="{50C669AA-E8F7-1442-93C7-CCB7038036BD}"/>
-              </a:ext>
-            </a:extLst>
-          </p:cNvPr>
-          <p:cNvSpPr txBox="1"/>
-          <p:nvPr/>
-        </p:nvSpPr>
-        <p:spPr>
-          <a:xfrm>
-            <a:off x="5676173" y="1947148"/>
-            <a:ext cx="839653" cy="369332"/>
-          </a:xfrm>
-          <a:prstGeom prst="rect">
-            <a:avLst/>
-          </a:prstGeom>
-          <a:noFill/>
-        </p:spPr>
-        <p:txBody>
-          <a:bodyPr wrap="none" rtlCol="0">
-            <a:spAutoFit/>
-          </a:bodyPr>
-          <a:lstStyle/>
-          <a:p>
-            <a:r>
-              <a:rPr lang="en-CO" b="1" dirty="0"/>
-              <a:t>PRICES</a:t>
-            </a:r>
-          </a:p>
-        </p:txBody>
-      </p:sp>
-      <p:sp>
-        <p:nvSpPr>
-          <p:cNvPr id="21" name="Rectangle 20">
-            <a:extLst>
-              <a:ext uri="{FF2B5EF4-FFF2-40B4-BE49-F238E27FC236}">
-                <a16:creationId xmlns:a16="http://schemas.microsoft.com/office/drawing/2014/main" id="{BCB161C3-DEDB-C74A-BFEE-DD95CBE794AB}"/>
-              </a:ext>
-            </a:extLst>
-          </p:cNvPr>
-          <p:cNvSpPr/>
-          <p:nvPr/>
-        </p:nvSpPr>
-        <p:spPr>
-          <a:xfrm>
-            <a:off x="1986770" y="4772352"/>
-            <a:ext cx="10205230" cy="276999"/>
-          </a:xfrm>
-          <a:prstGeom prst="rect">
-            <a:avLst/>
-          </a:prstGeom>
-        </p:spPr>
-        <p:txBody>
-          <a:bodyPr wrap="square">
-            <a:spAutoFit/>
-          </a:bodyPr>
-          <a:lstStyle/>
-          <a:p>
-            <a:r>
-              <a:rPr lang="en-US" sz="1200" dirty="0"/>
-              <a:t>* 5 different houses from the test dataset</a:t>
-            </a:r>
-            <a:endParaRPr lang="en-CO" sz="1200" dirty="0"/>
-          </a:p>
-        </p:txBody>
-      </p:sp>
-      <p:sp>
-        <p:nvSpPr>
-          <p:cNvPr id="2" name="Slide Number Placeholder 1">
-            <a:extLst>
-              <a:ext uri="{FF2B5EF4-FFF2-40B4-BE49-F238E27FC236}">
-                <a16:creationId xmlns:a16="http://schemas.microsoft.com/office/drawing/2014/main" id="{98CD02C0-A136-4044-A51D-B3B6ADB2AF2A}"/>
+          <p:cNvPr id="20" name="Slide Number Placeholder 1">
+            <a:extLst>
+              <a:ext uri="{FF2B5EF4-FFF2-40B4-BE49-F238E27FC236}">
+                <a16:creationId xmlns:a16="http://schemas.microsoft.com/office/drawing/2014/main" id="{5EA355B6-B6DC-664C-A166-6000CCCB5615}"/>
               </a:ext>
             </a:extLst>
           </p:cNvPr>
@@ -18010,7 +18642,12 @@
             <p:ph type="sldNum" sz="quarter" idx="12"/>
           </p:nvPr>
         </p:nvSpPr>
-        <p:spPr/>
+        <p:spPr>
+          <a:xfrm>
+            <a:off x="8610600" y="6356350"/>
+            <a:ext cx="2743200" cy="365125"/>
+          </a:xfrm>
+        </p:spPr>
         <p:txBody>
           <a:bodyPr/>
           <a:lstStyle/>
@@ -18023,10 +18660,100 @@
           </a:p>
         </p:txBody>
       </p:sp>
+      <p:pic>
+        <p:nvPicPr>
+          <p:cNvPr id="21" name="Picture 20">
+            <a:extLst>
+              <a:ext uri="{FF2B5EF4-FFF2-40B4-BE49-F238E27FC236}">
+                <a16:creationId xmlns:a16="http://schemas.microsoft.com/office/drawing/2014/main" id="{9D19707B-C1B5-2E4F-8A33-8C0AC3731B04}"/>
+              </a:ext>
+            </a:extLst>
+          </p:cNvPr>
+          <p:cNvPicPr>
+            <a:picLocks noChangeAspect="1"/>
+          </p:cNvPicPr>
+          <p:nvPr/>
+        </p:nvPicPr>
+        <p:blipFill>
+          <a:blip r:embed="rId2"/>
+          <a:stretch>
+            <a:fillRect/>
+          </a:stretch>
+        </p:blipFill>
+        <p:spPr>
+          <a:xfrm>
+            <a:off x="1208819" y="1572792"/>
+            <a:ext cx="4887181" cy="4268186"/>
+          </a:xfrm>
+          <a:prstGeom prst="rect">
+            <a:avLst/>
+          </a:prstGeom>
+        </p:spPr>
+      </p:pic>
+      <p:pic>
+        <p:nvPicPr>
+          <p:cNvPr id="23" name="Picture 22">
+            <a:extLst>
+              <a:ext uri="{FF2B5EF4-FFF2-40B4-BE49-F238E27FC236}">
+                <a16:creationId xmlns:a16="http://schemas.microsoft.com/office/drawing/2014/main" id="{60E06536-6512-E247-B15C-A565BF83E7BD}"/>
+              </a:ext>
+            </a:extLst>
+          </p:cNvPr>
+          <p:cNvPicPr>
+            <a:picLocks noChangeAspect="1"/>
+          </p:cNvPicPr>
+          <p:nvPr/>
+        </p:nvPicPr>
+        <p:blipFill>
+          <a:blip r:embed="rId3"/>
+          <a:stretch>
+            <a:fillRect/>
+          </a:stretch>
+        </p:blipFill>
+        <p:spPr>
+          <a:xfrm>
+            <a:off x="6592499" y="786900"/>
+            <a:ext cx="4287818" cy="2919985"/>
+          </a:xfrm>
+          <a:prstGeom prst="rect">
+            <a:avLst/>
+          </a:prstGeom>
+        </p:spPr>
+      </p:pic>
+      <p:pic>
+        <p:nvPicPr>
+          <p:cNvPr id="5" name="Picture 4">
+            <a:extLst>
+              <a:ext uri="{FF2B5EF4-FFF2-40B4-BE49-F238E27FC236}">
+                <a16:creationId xmlns:a16="http://schemas.microsoft.com/office/drawing/2014/main" id="{8ACF6841-E515-1C48-9E66-5B203DF61F59}"/>
+              </a:ext>
+            </a:extLst>
+          </p:cNvPr>
+          <p:cNvPicPr>
+            <a:picLocks noChangeAspect="1"/>
+          </p:cNvPicPr>
+          <p:nvPr/>
+        </p:nvPicPr>
+        <p:blipFill>
+          <a:blip r:embed="rId4"/>
+          <a:stretch>
+            <a:fillRect/>
+          </a:stretch>
+        </p:blipFill>
+        <p:spPr>
+          <a:xfrm>
+            <a:off x="6628605" y="3504231"/>
+            <a:ext cx="4215607" cy="2919985"/>
+          </a:xfrm>
+          <a:prstGeom prst="rect">
+            <a:avLst/>
+          </a:prstGeom>
+        </p:spPr>
+      </p:pic>
     </p:spTree>
     <p:extLst>
       <p:ext uri="{BB962C8B-B14F-4D97-AF65-F5344CB8AC3E}">
-        <p14:creationId xmlns:p14="http://schemas.microsoft.com/office/powerpoint/2010/main" val="266424760"/>
+        <p14:creationId xmlns:p14="http://schemas.microsoft.com/office/powerpoint/2010/main" val="2512854655"/>
       </p:ext>
     </p:extLst>
   </p:cSld>

--- a/deep-learning/rental-airbnb/boston_ppt.pptx
+++ b/deep-learning/rental-airbnb/boston_ppt.pptx
@@ -514,7 +514,7 @@
           <a:p>
             <a:fld id="{8AA38D85-24D1-674D-9871-7CB952EC61B3}" type="datetimeFigureOut">
               <a:rPr lang="en-CO" smtClean="0"/>
-              <a:t>2/2/22</a:t>
+              <a:t>2/9/22</a:t>
             </a:fld>
             <a:endParaRPr lang="en-CO"/>
           </a:p>
@@ -1099,7 +1099,7 @@
           <a:p>
             <a:fld id="{41A30429-C8C9-7241-8D40-6CDE9C35FE86}" type="datetime1">
               <a:rPr lang="en-US" smtClean="0"/>
-              <a:t>2/2/22</a:t>
+              <a:t>2/9/22</a:t>
             </a:fld>
             <a:endParaRPr lang="en-US"/>
           </a:p>
@@ -1299,7 +1299,7 @@
           <a:p>
             <a:fld id="{F6ACB86D-687D-2D44-8415-2E28D8F4EA5E}" type="datetime1">
               <a:rPr lang="en-US" smtClean="0"/>
-              <a:t>2/2/22</a:t>
+              <a:t>2/9/22</a:t>
             </a:fld>
             <a:endParaRPr lang="en-US"/>
           </a:p>
@@ -1509,7 +1509,7 @@
           <a:p>
             <a:fld id="{75A67C6A-DE21-354F-8AA3-FA67E63BDDFA}" type="datetime1">
               <a:rPr lang="en-US" smtClean="0"/>
-              <a:t>2/2/22</a:t>
+              <a:t>2/9/22</a:t>
             </a:fld>
             <a:endParaRPr lang="en-US"/>
           </a:p>
@@ -1709,7 +1709,7 @@
           <a:p>
             <a:fld id="{359B20A9-FCF9-B243-A57F-4AB6E0A0F03F}" type="datetime1">
               <a:rPr lang="en-US" smtClean="0"/>
-              <a:t>2/2/22</a:t>
+              <a:t>2/9/22</a:t>
             </a:fld>
             <a:endParaRPr lang="en-US"/>
           </a:p>
@@ -1985,7 +1985,7 @@
           <a:p>
             <a:fld id="{47C1D1DA-9F15-164E-99C6-987EC3ABB480}" type="datetime1">
               <a:rPr lang="en-US" smtClean="0"/>
-              <a:t>2/2/22</a:t>
+              <a:t>2/9/22</a:t>
             </a:fld>
             <a:endParaRPr lang="en-US"/>
           </a:p>
@@ -2253,7 +2253,7 @@
           <a:p>
             <a:fld id="{A7CF8B68-FF24-E043-9CC0-B5DA3C745070}" type="datetime1">
               <a:rPr lang="en-US" smtClean="0"/>
-              <a:t>2/2/22</a:t>
+              <a:t>2/9/22</a:t>
             </a:fld>
             <a:endParaRPr lang="en-US"/>
           </a:p>
@@ -2668,7 +2668,7 @@
           <a:p>
             <a:fld id="{83C87CC2-5E05-FB4A-95B8-F1D2301BCADA}" type="datetime1">
               <a:rPr lang="en-US" smtClean="0"/>
-              <a:t>2/2/22</a:t>
+              <a:t>2/9/22</a:t>
             </a:fld>
             <a:endParaRPr lang="en-US"/>
           </a:p>
@@ -2810,7 +2810,7 @@
           <a:p>
             <a:fld id="{BC307E26-5084-624D-8F06-4E12EC04EBB6}" type="datetime1">
               <a:rPr lang="en-US" smtClean="0"/>
-              <a:t>2/2/22</a:t>
+              <a:t>2/9/22</a:t>
             </a:fld>
             <a:endParaRPr lang="en-US"/>
           </a:p>
@@ -2923,7 +2923,7 @@
           <a:p>
             <a:fld id="{F885D8E1-52E0-3840-843C-2F0B2CB5D4AE}" type="datetime1">
               <a:rPr lang="en-US" smtClean="0"/>
-              <a:t>2/2/22</a:t>
+              <a:t>2/9/22</a:t>
             </a:fld>
             <a:endParaRPr lang="en-US"/>
           </a:p>
@@ -3236,7 +3236,7 @@
           <a:p>
             <a:fld id="{30057272-A396-1945-94EC-6EF3D89918FE}" type="datetime1">
               <a:rPr lang="en-US" smtClean="0"/>
-              <a:t>2/2/22</a:t>
+              <a:t>2/9/22</a:t>
             </a:fld>
             <a:endParaRPr lang="en-US"/>
           </a:p>
@@ -3525,7 +3525,7 @@
           <a:p>
             <a:fld id="{27E387C1-F147-1343-8D1D-F2F8B9EA7682}" type="datetime1">
               <a:rPr lang="en-US" smtClean="0"/>
-              <a:t>2/2/22</a:t>
+              <a:t>2/9/22</a:t>
             </a:fld>
             <a:endParaRPr lang="en-US"/>
           </a:p>
@@ -3768,7 +3768,7 @@
           <a:p>
             <a:fld id="{43A37A15-304C-9A48-915A-DB5DF5AC626B}" type="datetime1">
               <a:rPr lang="en-US" smtClean="0"/>
-              <a:t>2/2/22</a:t>
+              <a:t>2/9/22</a:t>
             </a:fld>
             <a:endParaRPr lang="en-US" dirty="0"/>
           </a:p>
@@ -6303,7 +6303,7 @@
           <p:nvPr>
             <p:extLst>
               <p:ext uri="{D42A27DB-BD31-4B8C-83A1-F6EECF244321}">
-                <p14:modId xmlns:p14="http://schemas.microsoft.com/office/powerpoint/2010/main" val="4139191596"/>
+                <p14:modId xmlns:p14="http://schemas.microsoft.com/office/powerpoint/2010/main" val="2352173425"/>
               </p:ext>
             </p:extLst>
           </p:nvPr>
@@ -6445,7 +6445,7 @@
                       <a:pPr algn="ctr"/>
                       <a:r>
                         <a:rPr lang="en-CO" dirty="0"/>
-                        <a:t>12.025</a:t>
+                        <a:t>2.938</a:t>
                       </a:r>
                     </a:p>
                   </a:txBody>
@@ -6507,7 +6507,7 @@
                       <a:pPr algn="ctr"/>
                       <a:r>
                         <a:rPr lang="en-CO" dirty="0"/>
-                        <a:t>2.938</a:t>
+                        <a:t>2.975</a:t>
                       </a:r>
                     </a:p>
                   </a:txBody>
@@ -6754,8 +6754,8 @@
           </a:graphicData>
         </a:graphic>
       </p:graphicFrame>
-      <mc:AlternateContent xmlns:mc="http://schemas.openxmlformats.org/markup-compatibility/2006">
-        <mc:Choice xmlns:p14="http://schemas.microsoft.com/office/powerpoint/2010/main" Requires="p14">
+      <mc:AlternateContent xmlns:mc="http://schemas.openxmlformats.org/markup-compatibility/2006" xmlns:p14="http://schemas.microsoft.com/office/powerpoint/2010/main">
+        <mc:Choice Requires="p14">
           <p:contentPart p14:bwMode="auto" r:id="rId2">
             <p14:nvContentPartPr>
               <p14:cNvPr id="11" name="Ink 10">
@@ -6769,12 +6769,12 @@
               <p14:nvPr/>
             </p14:nvContentPartPr>
             <p14:xfrm>
-              <a:off x="6607687" y="3124281"/>
+              <a:off x="6678066" y="2483150"/>
               <a:ext cx="144720" cy="3240"/>
             </p14:xfrm>
           </p:contentPart>
         </mc:Choice>
-        <mc:Fallback>
+        <mc:Fallback xmlns="">
           <p:pic>
             <p:nvPicPr>
               <p:cNvPr id="11" name="Ink 10">
@@ -6795,7 +6795,7 @@
             </p:blipFill>
             <p:spPr>
               <a:xfrm>
-                <a:off x="6571687" y="3052281"/>
+                <a:off x="6642066" y="2411150"/>
                 <a:ext cx="216360" cy="146880"/>
               </a:xfrm>
               <a:prstGeom prst="rect">
@@ -6805,8 +6805,8 @@
           </p:pic>
         </mc:Fallback>
       </mc:AlternateContent>
-      <mc:AlternateContent xmlns:mc="http://schemas.openxmlformats.org/markup-compatibility/2006">
-        <mc:Choice xmlns:p14="http://schemas.microsoft.com/office/powerpoint/2010/main" Requires="p14">
+      <mc:AlternateContent xmlns:mc="http://schemas.openxmlformats.org/markup-compatibility/2006" xmlns:p14="http://schemas.microsoft.com/office/powerpoint/2010/main">
+        <mc:Choice Requires="p14">
           <p:contentPart p14:bwMode="auto" r:id="rId4">
             <p14:nvContentPartPr>
               <p14:cNvPr id="12" name="Ink 11">
@@ -6825,7 +6825,7 @@
             </p14:xfrm>
           </p:contentPart>
         </mc:Choice>
-        <mc:Fallback>
+        <mc:Fallback xmlns="">
           <p:pic>
             <p:nvPicPr>
               <p:cNvPr id="12" name="Ink 11">
@@ -7686,7 +7686,7 @@
           <a:p>
             <a:r>
               <a:rPr lang="en-CO" sz="2400" dirty="0"/>
-              <a:t>In general, Neural Network model performs as good as other models.</a:t>
+              <a:t>In general, Neural Network model performs as well as other models.</a:t>
             </a:r>
           </a:p>
           <a:p>
@@ -17999,44 +17999,6 @@
       </p:cxnSp>
       <p:sp>
         <p:nvSpPr>
-          <p:cNvPr id="32" name="TextBox 31">
-            <a:extLst>
-              <a:ext uri="{FF2B5EF4-FFF2-40B4-BE49-F238E27FC236}">
-                <a16:creationId xmlns:a16="http://schemas.microsoft.com/office/drawing/2014/main" id="{4B0F75BE-DB37-C94D-8560-7DC38208E3FF}"/>
-              </a:ext>
-            </a:extLst>
-          </p:cNvPr>
-          <p:cNvSpPr txBox="1"/>
-          <p:nvPr/>
-        </p:nvSpPr>
-        <p:spPr>
-          <a:xfrm>
-            <a:off x="2810320" y="5662781"/>
-            <a:ext cx="895774" cy="369332"/>
-          </a:xfrm>
-          <a:prstGeom prst="rect">
-            <a:avLst/>
-          </a:prstGeom>
-          <a:noFill/>
-        </p:spPr>
-        <p:txBody>
-          <a:bodyPr wrap="square" rtlCol="0">
-            <a:spAutoFit/>
-          </a:bodyPr>
-          <a:lstStyle/>
-          <a:p>
-            <a:r>
-              <a:rPr lang="en-CO" dirty="0">
-                <a:latin typeface="Apple Chancery" panose="03020702040506060504" pitchFamily="66" charset="-79"/>
-                <a:cs typeface="Apple Chancery" panose="03020702040506060504" pitchFamily="66" charset="-79"/>
-              </a:rPr>
-              <a:t>enough</a:t>
-            </a:r>
-          </a:p>
-        </p:txBody>
-      </p:sp>
-      <p:sp>
-        <p:nvSpPr>
           <p:cNvPr id="33" name="Title 1">
             <a:extLst>
               <a:ext uri="{FF2B5EF4-FFF2-40B4-BE49-F238E27FC236}">
@@ -18100,6 +18062,44 @@
               <a:t>8</a:t>
             </a:fld>
             <a:endParaRPr lang="en-US"/>
+          </a:p>
+        </p:txBody>
+      </p:sp>
+      <p:sp>
+        <p:nvSpPr>
+          <p:cNvPr id="3" name="TextBox 2">
+            <a:extLst>
+              <a:ext uri="{FF2B5EF4-FFF2-40B4-BE49-F238E27FC236}">
+                <a16:creationId xmlns:a16="http://schemas.microsoft.com/office/drawing/2014/main" id="{039434D6-B1B4-264F-A2BC-DA2E88778B12}"/>
+              </a:ext>
+            </a:extLst>
+          </p:cNvPr>
+          <p:cNvSpPr txBox="1"/>
+          <p:nvPr/>
+        </p:nvSpPr>
+        <p:spPr>
+          <a:xfrm>
+            <a:off x="2827640" y="5678096"/>
+            <a:ext cx="861133" cy="369332"/>
+          </a:xfrm>
+          <a:prstGeom prst="rect">
+            <a:avLst/>
+          </a:prstGeom>
+          <a:noFill/>
+        </p:spPr>
+        <p:txBody>
+          <a:bodyPr wrap="none" rtlCol="0">
+            <a:spAutoFit/>
+          </a:bodyPr>
+          <a:lstStyle/>
+          <a:p>
+            <a:r>
+              <a:rPr lang="en-CO" dirty="0">
+                <a:latin typeface="Apple Chancery" panose="03020702040506060504" pitchFamily="66" charset="-79"/>
+                <a:cs typeface="Apple Chancery" panose="03020702040506060504" pitchFamily="66" charset="-79"/>
+              </a:rPr>
+              <a:t>enough</a:t>
+            </a:r>
           </a:p>
         </p:txBody>
       </p:sp>
